--- a/RHStudy/Documents/TextMeshPro_r-hatase.pptx
+++ b/RHStudy/Documents/TextMeshPro_r-hatase.pptx
@@ -8,6 +8,7 @@
     <p:sldId id="256" r:id="rId2"/>
     <p:sldId id="257" r:id="rId3"/>
     <p:sldId id="258" r:id="rId4"/>
+    <p:sldId id="259" r:id="rId5"/>
   </p:sldIdLst>
   <p:sldSz cx="12192000" cy="6858000"/>
   <p:notesSz cx="6858000" cy="9144000"/>
@@ -106,6 +107,11 @@
       </a:defRPr>
     </a:lvl9pPr>
   </p:defaultTextStyle>
+  <p:extLst>
+    <p:ext uri="{EFAFB233-063F-42B5-8137-9DF3F51BA10A}">
+      <p15:sldGuideLst xmlns:p15="http://schemas.microsoft.com/office/powerpoint/2012/main"/>
+    </p:ext>
+  </p:extLst>
 </p:presentation>
 </file>
 
@@ -279,7 +285,7 @@
             <a:fld id="{87DE6118-2437-4B30-8E3C-4D2BE6020583}" type="datetimeFigureOut">
               <a:rPr lang="en-US" dirty="0"/>
               <a:pPr/>
-              <a:t>9/1/16</a:t>
+              <a:t>9/6/16</a:t>
             </a:fld>
             <a:endParaRPr lang="en-US" dirty="0"/>
           </a:p>
@@ -637,7 +643,7 @@
           <a:p>
             <a:fld id="{87DE6118-2437-4B30-8E3C-4D2BE6020583}" type="datetimeFigureOut">
               <a:rPr lang="en-US" dirty="0"/>
-              <a:t>9/1/16</a:t>
+              <a:t>9/6/16</a:t>
             </a:fld>
             <a:endParaRPr lang="en-US" dirty="0"/>
           </a:p>
@@ -844,7 +850,7 @@
           <a:p>
             <a:fld id="{87DE6118-2437-4B30-8E3C-4D2BE6020583}" type="datetimeFigureOut">
               <a:rPr lang="en-US" dirty="0"/>
-              <a:t>9/1/16</a:t>
+              <a:t>9/6/16</a:t>
             </a:fld>
             <a:endParaRPr lang="en-US" dirty="0"/>
           </a:p>
@@ -1041,7 +1047,7 @@
           <a:p>
             <a:fld id="{87DE6118-2437-4B30-8E3C-4D2BE6020583}" type="datetimeFigureOut">
               <a:rPr lang="en-US" dirty="0"/>
-              <a:t>9/1/16</a:t>
+              <a:t>9/6/16</a:t>
             </a:fld>
             <a:endParaRPr lang="en-US" dirty="0"/>
           </a:p>
@@ -1314,7 +1320,7 @@
             <a:fld id="{87DE6118-2437-4B30-8E3C-4D2BE6020583}" type="datetimeFigureOut">
               <a:rPr lang="en-US" dirty="0"/>
               <a:pPr/>
-              <a:t>9/1/16</a:t>
+              <a:t>9/6/16</a:t>
             </a:fld>
             <a:endParaRPr lang="en-US" dirty="0"/>
           </a:p>
@@ -1768,7 +1774,7 @@
           <a:p>
             <a:fld id="{87DE6118-2437-4B30-8E3C-4D2BE6020583}" type="datetimeFigureOut">
               <a:rPr lang="en-US" dirty="0"/>
-              <a:t>9/1/16</a:t>
+              <a:t>9/6/16</a:t>
             </a:fld>
             <a:endParaRPr lang="en-US" dirty="0"/>
           </a:p>
@@ -2304,7 +2310,7 @@
           <a:p>
             <a:fld id="{87DE6118-2437-4B30-8E3C-4D2BE6020583}" type="datetimeFigureOut">
               <a:rPr lang="en-US" dirty="0"/>
-              <a:t>9/1/16</a:t>
+              <a:t>9/6/16</a:t>
             </a:fld>
             <a:endParaRPr lang="en-US" dirty="0"/>
           </a:p>
@@ -2417,7 +2423,7 @@
           <a:p>
             <a:fld id="{87DE6118-2437-4B30-8E3C-4D2BE6020583}" type="datetimeFigureOut">
               <a:rPr lang="en-US" dirty="0"/>
-              <a:t>9/1/16</a:t>
+              <a:t>9/6/16</a:t>
             </a:fld>
             <a:endParaRPr lang="en-US" dirty="0"/>
           </a:p>
@@ -2507,7 +2513,7 @@
           <a:p>
             <a:fld id="{87DE6118-2437-4B30-8E3C-4D2BE6020583}" type="datetimeFigureOut">
               <a:rPr lang="en-US" dirty="0"/>
-              <a:t>9/1/16</a:t>
+              <a:t>9/6/16</a:t>
             </a:fld>
             <a:endParaRPr lang="en-US" dirty="0"/>
           </a:p>
@@ -2881,7 +2887,7 @@
             <a:fld id="{87DE6118-2437-4B30-8E3C-4D2BE6020583}" type="datetimeFigureOut">
               <a:rPr lang="en-US" dirty="0"/>
               <a:pPr/>
-              <a:t>9/1/16</a:t>
+              <a:t>9/6/16</a:t>
             </a:fld>
             <a:endParaRPr lang="en-US" dirty="0"/>
           </a:p>
@@ -3266,7 +3272,7 @@
             <a:fld id="{87DE6118-2437-4B30-8E3C-4D2BE6020583}" type="datetimeFigureOut">
               <a:rPr lang="en-US" dirty="0"/>
               <a:pPr/>
-              <a:t>9/1/16</a:t>
+              <a:t>9/6/16</a:t>
             </a:fld>
             <a:endParaRPr lang="en-US" dirty="0"/>
           </a:p>
@@ -3573,7 +3579,7 @@
             <a:fld id="{87DE6118-2437-4B30-8E3C-4D2BE6020583}" type="datetimeFigureOut">
               <a:rPr lang="en-US" dirty="0"/>
               <a:pPr/>
-              <a:t>9/1/16</a:t>
+              <a:t>9/6/16</a:t>
             </a:fld>
             <a:endParaRPr lang="en-US" dirty="0"/>
           </a:p>
@@ -4189,7 +4195,15 @@
           <a:bodyPr/>
           <a:lstStyle/>
           <a:p>
-            <a:endParaRPr kumimoji="1" lang="ja-JP" altLang="en-US"/>
+            <a:r>
+              <a:rPr kumimoji="1" lang="en-US" altLang="ja-JP" dirty="0" err="1" smtClean="0"/>
+              <a:t>TextMeshPro</a:t>
+            </a:r>
+            <a:r>
+              <a:rPr kumimoji="1" lang="ja-JP" altLang="en-US" dirty="0" smtClean="0"/>
+              <a:t>とは</a:t>
+            </a:r>
+            <a:endParaRPr kumimoji="1" lang="ja-JP" altLang="en-US" dirty="0"/>
           </a:p>
         </p:txBody>
       </p:sp>
@@ -4203,12 +4217,80 @@
             <p:ph idx="1"/>
           </p:nvPr>
         </p:nvSpPr>
-        <p:spPr/>
-        <p:txBody>
-          <a:bodyPr/>
+        <p:spPr>
+          <a:xfrm>
+            <a:off x="1222738" y="2286000"/>
+            <a:ext cx="10588336" cy="3581400"/>
+          </a:xfrm>
+        </p:spPr>
+        <p:txBody>
+          <a:bodyPr>
+            <a:normAutofit/>
+          </a:bodyPr>
           <a:lstStyle/>
           <a:p>
-            <a:endParaRPr kumimoji="1" lang="ja-JP" altLang="en-US"/>
+            <a:pPr>
+              <a:lnSpc>
+                <a:spcPct val="150000"/>
+              </a:lnSpc>
+            </a:pPr>
+            <a:r>
+              <a:rPr lang="ja-JP" altLang="en-US" sz="2800" dirty="0" smtClean="0"/>
+              <a:t>任意のサイズできれいにレンダリングしてくれるアセット</a:t>
+            </a:r>
+            <a:endParaRPr lang="en-US" altLang="ja-JP" sz="2800" dirty="0" smtClean="0"/>
+          </a:p>
+          <a:p>
+            <a:pPr>
+              <a:lnSpc>
+                <a:spcPct val="150000"/>
+              </a:lnSpc>
+            </a:pPr>
+            <a:r>
+              <a:rPr lang="ja-JP" altLang="en-US" sz="2800" dirty="0" smtClean="0"/>
+              <a:t>動的にテキストにアウトライン等の効果を加える事ができる</a:t>
+            </a:r>
+            <a:endParaRPr lang="en-US" altLang="ja-JP" sz="2800" dirty="0" smtClean="0"/>
+          </a:p>
+          <a:p>
+            <a:pPr>
+              <a:lnSpc>
+                <a:spcPct val="150000"/>
+              </a:lnSpc>
+            </a:pPr>
+            <a:r>
+              <a:rPr kumimoji="1" lang="ja-JP" altLang="en-US" sz="2800" dirty="0" smtClean="0"/>
+              <a:t>通常の</a:t>
+            </a:r>
+            <a:r>
+              <a:rPr kumimoji="1" lang="en-US" altLang="ja-JP" sz="2800" dirty="0" smtClean="0"/>
+              <a:t>Text</a:t>
+            </a:r>
+            <a:r>
+              <a:rPr kumimoji="1" lang="ja-JP" altLang="en-US" sz="2800" dirty="0" smtClean="0"/>
+              <a:t>とは違い、カーニングや、行間などの調整ができる。</a:t>
+            </a:r>
+            <a:endParaRPr kumimoji="1" lang="en-US" altLang="ja-JP" sz="2800" dirty="0" smtClean="0"/>
+          </a:p>
+          <a:p>
+            <a:pPr>
+              <a:lnSpc>
+                <a:spcPct val="150000"/>
+              </a:lnSpc>
+            </a:pPr>
+            <a:r>
+              <a:rPr lang="ja-JP" altLang="en-US" sz="2800" dirty="0" smtClean="0"/>
+              <a:t>スクリプト</a:t>
+            </a:r>
+            <a:r>
+              <a:rPr lang="en-US" altLang="ja-JP" sz="2800" dirty="0" smtClean="0"/>
+              <a:t>API</a:t>
+            </a:r>
+            <a:r>
+              <a:rPr lang="ja-JP" altLang="en-US" sz="2800" dirty="0" smtClean="0"/>
+              <a:t>が豊富</a:t>
+            </a:r>
+            <a:endParaRPr kumimoji="1" lang="ja-JP" altLang="en-US" sz="2800" dirty="0"/>
           </a:p>
         </p:txBody>
       </p:sp>
@@ -4264,7 +4346,11 @@
           <a:bodyPr/>
           <a:lstStyle/>
           <a:p>
-            <a:endParaRPr kumimoji="1" lang="ja-JP" altLang="en-US"/>
+            <a:r>
+              <a:rPr kumimoji="1" lang="ja-JP" altLang="en-US" dirty="0" smtClean="0"/>
+              <a:t>テキストのレンダリングについて</a:t>
+            </a:r>
+            <a:endParaRPr kumimoji="1" lang="ja-JP" altLang="en-US" dirty="0"/>
           </a:p>
         </p:txBody>
       </p:sp>
@@ -4278,11 +4364,171 @@
             <p:ph idx="1"/>
           </p:nvPr>
         </p:nvSpPr>
-        <p:spPr/>
-        <p:txBody>
-          <a:bodyPr/>
+        <p:spPr>
+          <a:xfrm>
+            <a:off x="1169576" y="1637410"/>
+            <a:ext cx="10568763" cy="4688962"/>
+          </a:xfrm>
+        </p:spPr>
+        <p:txBody>
+          <a:bodyPr>
+            <a:normAutofit/>
+          </a:bodyPr>
           <a:lstStyle/>
           <a:p>
+            <a:pPr>
+              <a:lnSpc>
+                <a:spcPct val="150000"/>
+              </a:lnSpc>
+            </a:pPr>
+            <a:r>
+              <a:rPr kumimoji="1" lang="en-US" altLang="ja-JP" sz="2400" dirty="0" smtClean="0"/>
+              <a:t>SDF(Signed Distance Field)</a:t>
+            </a:r>
+            <a:r>
+              <a:rPr kumimoji="1" lang="ja-JP" altLang="en-US" sz="2400" dirty="0" smtClean="0"/>
+              <a:t>を使用。</a:t>
+            </a:r>
+            <a:r>
+              <a:rPr lang="en-US" altLang="ja-JP" sz="2400" dirty="0"/>
+              <a:t/>
+            </a:r>
+            <a:br>
+              <a:rPr lang="en-US" altLang="ja-JP" sz="2400" dirty="0"/>
+            </a:br>
+            <a:r>
+              <a:rPr lang="ja-JP" altLang="en-US" sz="2400" dirty="0" smtClean="0"/>
+              <a:t>グレースケールのグラデーションを作成</a:t>
+            </a:r>
+            <a:r>
+              <a:rPr lang="en-US" altLang="ja-JP" sz="2400" dirty="0" smtClean="0"/>
+              <a:t/>
+            </a:r>
+            <a:br>
+              <a:rPr lang="en-US" altLang="ja-JP" sz="2400" dirty="0" smtClean="0"/>
+            </a:br>
+            <a:r>
+              <a:rPr lang="ja-JP" altLang="en-US" sz="2400" dirty="0" smtClean="0"/>
+              <a:t>アルファ値の大きいところから着色することで</a:t>
+            </a:r>
+            <a:r>
+              <a:rPr lang="en-US" altLang="ja-JP" sz="2400" dirty="0"/>
+              <a:t/>
+            </a:r>
+            <a:br>
+              <a:rPr lang="en-US" altLang="ja-JP" sz="2400" dirty="0"/>
+            </a:br>
+            <a:r>
+              <a:rPr lang="ja-JP" altLang="en-US" sz="2400" dirty="0" smtClean="0"/>
+              <a:t>はっきり見えるフォントが表示できる。</a:t>
+            </a:r>
+            <a:r>
+              <a:rPr lang="en-US" altLang="ja-JP" sz="2400" dirty="0" smtClean="0"/>
+              <a:t/>
+            </a:r>
+            <a:br>
+              <a:rPr lang="en-US" altLang="ja-JP" sz="2400" dirty="0" smtClean="0"/>
+            </a:br>
+            <a:endParaRPr lang="en-US" altLang="ja-JP" sz="2400" dirty="0"/>
+          </a:p>
+          <a:p>
+            <a:pPr>
+              <a:lnSpc>
+                <a:spcPct val="150000"/>
+              </a:lnSpc>
+            </a:pPr>
+            <a:r>
+              <a:rPr lang="ja-JP" altLang="en-US" sz="2400" dirty="0" smtClean="0"/>
+              <a:t>フォントデータの作成時には元フォントのエッジからの</a:t>
+            </a:r>
+            <a:r>
+              <a:rPr lang="en-US" altLang="ja-JP" sz="2400" dirty="0"/>
+              <a:t/>
+            </a:r>
+            <a:br>
+              <a:rPr lang="en-US" altLang="ja-JP" sz="2400" dirty="0"/>
+            </a:br>
+            <a:r>
+              <a:rPr lang="ja-JP" altLang="en-US" sz="2400" dirty="0" smtClean="0"/>
+              <a:t>距離から作成され、エッジから離れるほどアルファ値が小さくなる。</a:t>
+            </a:r>
+            <a:r>
+              <a:rPr lang="en-US" altLang="ja-JP" sz="2400" dirty="0" smtClean="0"/>
+              <a:t/>
+            </a:r>
+            <a:br>
+              <a:rPr lang="en-US" altLang="ja-JP" sz="2400" dirty="0" smtClean="0"/>
+            </a:br>
+            <a:endParaRPr lang="en-US" altLang="ja-JP" sz="2400" dirty="0" smtClean="0"/>
+          </a:p>
+        </p:txBody>
+      </p:sp>
+      <p:pic>
+        <p:nvPicPr>
+          <p:cNvPr id="4" name="図 3"/>
+          <p:cNvPicPr>
+            <a:picLocks noChangeAspect="1"/>
+          </p:cNvPicPr>
+          <p:nvPr/>
+        </p:nvPicPr>
+        <p:blipFill>
+          <a:blip r:embed="rId2">
+            <a:extLst>
+              <a:ext uri="{28A0092B-C50C-407E-A947-70E740481C1C}">
+                <a14:useLocalDpi xmlns:a14="http://schemas.microsoft.com/office/drawing/2010/main" val="0"/>
+              </a:ext>
+            </a:extLst>
+          </a:blip>
+          <a:stretch>
+            <a:fillRect/>
+          </a:stretch>
+        </p:blipFill>
+        <p:spPr>
+          <a:xfrm>
+            <a:off x="9667066" y="1419444"/>
+            <a:ext cx="2071273" cy="2562447"/>
+          </a:xfrm>
+          <a:prstGeom prst="rect">
+            <a:avLst/>
+          </a:prstGeom>
+        </p:spPr>
+      </p:pic>
+      <p:sp>
+        <p:nvSpPr>
+          <p:cNvPr id="5" name="右矢印 4"/>
+          <p:cNvSpPr/>
+          <p:nvPr/>
+        </p:nvSpPr>
+        <p:spPr>
+          <a:xfrm rot="18307458">
+            <a:off x="8596438" y="3172236"/>
+            <a:ext cx="1005924" cy="680484"/>
+          </a:xfrm>
+          <a:prstGeom prst="rightArrow">
+            <a:avLst/>
+          </a:prstGeom>
+        </p:spPr>
+        <p:style>
+          <a:lnRef idx="2">
+            <a:schemeClr val="accent1">
+              <a:shade val="50000"/>
+            </a:schemeClr>
+          </a:lnRef>
+          <a:fillRef idx="1">
+            <a:schemeClr val="accent1"/>
+          </a:fillRef>
+          <a:effectRef idx="0">
+            <a:schemeClr val="accent1"/>
+          </a:effectRef>
+          <a:fontRef idx="minor">
+            <a:schemeClr val="lt1"/>
+          </a:fontRef>
+        </p:style>
+        <p:txBody>
+          <a:bodyPr rtlCol="0" anchor="ctr"/>
+          <a:lstStyle/>
+          <a:p>
+            <a:pPr algn="ctr"/>
             <a:endParaRPr kumimoji="1" lang="ja-JP" altLang="en-US"/>
           </a:p>
         </p:txBody>
@@ -4291,6 +4537,130 @@
     <p:extLst>
       <p:ext uri="{BB962C8B-B14F-4D97-AF65-F5344CB8AC3E}">
         <p14:creationId xmlns:p14="http://schemas.microsoft.com/office/powerpoint/2010/main" val="65190492"/>
+      </p:ext>
+    </p:extLst>
+  </p:cSld>
+  <p:clrMapOvr>
+    <a:masterClrMapping/>
+  </p:clrMapOvr>
+</p:sld>
+</file>
+
+<file path=ppt/slides/slide4.xml><?xml version="1.0" encoding="utf-8"?>
+<p:sld xmlns:a="http://schemas.openxmlformats.org/drawingml/2006/main" xmlns:r="http://schemas.openxmlformats.org/officeDocument/2006/relationships" xmlns:p="http://schemas.openxmlformats.org/presentationml/2006/main">
+  <p:cSld>
+    <p:spTree>
+      <p:nvGrpSpPr>
+        <p:cNvPr id="1" name=""/>
+        <p:cNvGrpSpPr/>
+        <p:nvPr/>
+      </p:nvGrpSpPr>
+      <p:grpSpPr>
+        <a:xfrm>
+          <a:off x="0" y="0"/>
+          <a:ext cx="0" cy="0"/>
+          <a:chOff x="0" y="0"/>
+          <a:chExt cx="0" cy="0"/>
+        </a:xfrm>
+      </p:grpSpPr>
+      <p:sp>
+        <p:nvSpPr>
+          <p:cNvPr id="2" name="タイトル 1"/>
+          <p:cNvSpPr>
+            <a:spLocks noGrp="1"/>
+          </p:cNvSpPr>
+          <p:nvPr>
+            <p:ph type="title"/>
+          </p:nvPr>
+        </p:nvSpPr>
+        <p:spPr/>
+        <p:txBody>
+          <a:bodyPr/>
+          <a:lstStyle/>
+          <a:p>
+            <a:r>
+              <a:rPr kumimoji="1" lang="ja-JP" altLang="en-US" dirty="0" smtClean="0"/>
+              <a:t>動的にテキストに効果をつける</a:t>
+            </a:r>
+            <a:endParaRPr kumimoji="1" lang="ja-JP" altLang="en-US" dirty="0"/>
+          </a:p>
+        </p:txBody>
+      </p:sp>
+      <p:sp>
+        <p:nvSpPr>
+          <p:cNvPr id="3" name="コンテンツ プレースホルダー 2"/>
+          <p:cNvSpPr>
+            <a:spLocks noGrp="1"/>
+          </p:cNvSpPr>
+          <p:nvPr>
+            <p:ph idx="1"/>
+          </p:nvPr>
+        </p:nvSpPr>
+        <p:spPr>
+          <a:xfrm>
+            <a:off x="1041990" y="1714543"/>
+            <a:ext cx="10685721" cy="4766843"/>
+          </a:xfrm>
+        </p:spPr>
+        <p:txBody>
+          <a:bodyPr/>
+          <a:lstStyle/>
+          <a:p>
+            <a:pPr>
+              <a:lnSpc>
+                <a:spcPct val="150000"/>
+              </a:lnSpc>
+            </a:pPr>
+            <a:r>
+              <a:rPr lang="ja-JP" altLang="en-US" dirty="0" smtClean="0"/>
+              <a:t>アウトライン</a:t>
+            </a:r>
+            <a:r>
+              <a:rPr lang="en-US" altLang="ja-JP" dirty="0" smtClean="0"/>
+              <a:t/>
+            </a:r>
+            <a:br>
+              <a:rPr lang="en-US" altLang="ja-JP" dirty="0" smtClean="0"/>
+            </a:br>
+            <a:r>
+              <a:rPr lang="ja-JP" altLang="en-US" dirty="0" smtClean="0"/>
+              <a:t>アルファ値の</a:t>
+            </a:r>
+            <a:r>
+              <a:rPr lang="en-US" altLang="ja-JP" dirty="0" smtClean="0"/>
+              <a:t>1.0</a:t>
+            </a:r>
+            <a:r>
+              <a:rPr lang="ja-JP" altLang="en-US" dirty="0" smtClean="0"/>
+              <a:t>を通常通り表示して、</a:t>
+            </a:r>
+            <a:r>
+              <a:rPr lang="en-US" altLang="ja-JP" dirty="0" smtClean="0"/>
+              <a:t/>
+            </a:r>
+            <a:br>
+              <a:rPr lang="en-US" altLang="ja-JP" dirty="0" smtClean="0"/>
+            </a:br>
+            <a:r>
+              <a:rPr lang="en-US" altLang="ja-JP" dirty="0" smtClean="0"/>
+              <a:t>1.0~0.7</a:t>
+            </a:r>
+            <a:r>
+              <a:rPr lang="ja-JP" altLang="en-US" dirty="0" smtClean="0"/>
+              <a:t>をアウトラインにする</a:t>
+            </a:r>
+            <a:r>
+              <a:rPr lang="ja-JP" altLang="en-US" smtClean="0"/>
+              <a:t>とこんな感じになる</a:t>
+            </a:r>
+            <a:endParaRPr kumimoji="1" lang="ja-JP" altLang="en-US" dirty="0"/>
+          </a:p>
+        </p:txBody>
+      </p:sp>
+    </p:spTree>
+    <p:extLst>
+      <p:ext uri="{BB962C8B-B14F-4D97-AF65-F5344CB8AC3E}">
+        <p14:creationId xmlns:p14="http://schemas.microsoft.com/office/powerpoint/2010/main" val="1719204972"/>
       </p:ext>
     </p:extLst>
   </p:cSld>

--- a/RHStudy/Documents/TextMeshPro_r-hatase.pptx
+++ b/RHStudy/Documents/TextMeshPro_r-hatase.pptx
@@ -9,6 +9,8 @@
     <p:sldId id="257" r:id="rId3"/>
     <p:sldId id="258" r:id="rId4"/>
     <p:sldId id="259" r:id="rId5"/>
+    <p:sldId id="260" r:id="rId6"/>
+    <p:sldId id="261" r:id="rId7"/>
   </p:sldIdLst>
   <p:sldSz cx="12192000" cy="6858000"/>
   <p:notesSz cx="6858000" cy="9144000"/>
@@ -4647,20 +4649,460 @@
             </a:r>
             <a:r>
               <a:rPr lang="ja-JP" altLang="en-US" dirty="0" smtClean="0"/>
-              <a:t>をアウトラインにする</a:t>
-            </a:r>
-            <a:r>
-              <a:rPr lang="ja-JP" altLang="en-US" smtClean="0"/>
-              <a:t>とこんな感じになる</a:t>
+              <a:t>をアウトラインにするとこんな感じになる</a:t>
             </a:r>
             <a:endParaRPr kumimoji="1" lang="ja-JP" altLang="en-US" dirty="0"/>
           </a:p>
         </p:txBody>
       </p:sp>
+      <p:pic>
+        <p:nvPicPr>
+          <p:cNvPr id="4" name="図 3"/>
+          <p:cNvPicPr>
+            <a:picLocks noChangeAspect="1"/>
+          </p:cNvPicPr>
+          <p:nvPr/>
+        </p:nvPicPr>
+        <p:blipFill>
+          <a:blip r:embed="rId2">
+            <a:extLst>
+              <a:ext uri="{28A0092B-C50C-407E-A947-70E740481C1C}">
+                <a14:useLocalDpi xmlns:a14="http://schemas.microsoft.com/office/drawing/2010/main" val="0"/>
+              </a:ext>
+            </a:extLst>
+          </a:blip>
+          <a:stretch>
+            <a:fillRect/>
+          </a:stretch>
+        </p:blipFill>
+        <p:spPr>
+          <a:xfrm>
+            <a:off x="1476399" y="3604436"/>
+            <a:ext cx="9978896" cy="2339164"/>
+          </a:xfrm>
+          <a:prstGeom prst="rect">
+            <a:avLst/>
+          </a:prstGeom>
+        </p:spPr>
+      </p:pic>
+      <p:pic>
+        <p:nvPicPr>
+          <p:cNvPr id="5" name="図 4"/>
+          <p:cNvPicPr>
+            <a:picLocks noChangeAspect="1"/>
+          </p:cNvPicPr>
+          <p:nvPr/>
+        </p:nvPicPr>
+        <p:blipFill>
+          <a:blip r:embed="rId3">
+            <a:extLst>
+              <a:ext uri="{28A0092B-C50C-407E-A947-70E740481C1C}">
+                <a14:useLocalDpi xmlns:a14="http://schemas.microsoft.com/office/drawing/2010/main" val="0"/>
+              </a:ext>
+            </a:extLst>
+          </a:blip>
+          <a:stretch>
+            <a:fillRect/>
+          </a:stretch>
+        </p:blipFill>
+        <p:spPr>
+          <a:xfrm>
+            <a:off x="6172200" y="1752600"/>
+            <a:ext cx="5994400" cy="838200"/>
+          </a:xfrm>
+          <a:prstGeom prst="rect">
+            <a:avLst/>
+          </a:prstGeom>
+        </p:spPr>
+      </p:pic>
     </p:spTree>
     <p:extLst>
       <p:ext uri="{BB962C8B-B14F-4D97-AF65-F5344CB8AC3E}">
         <p14:creationId xmlns:p14="http://schemas.microsoft.com/office/powerpoint/2010/main" val="1719204972"/>
+      </p:ext>
+    </p:extLst>
+  </p:cSld>
+  <p:clrMapOvr>
+    <a:masterClrMapping/>
+  </p:clrMapOvr>
+</p:sld>
+</file>
+
+<file path=ppt/slides/slide5.xml><?xml version="1.0" encoding="utf-8"?>
+<p:sld xmlns:a="http://schemas.openxmlformats.org/drawingml/2006/main" xmlns:r="http://schemas.openxmlformats.org/officeDocument/2006/relationships" xmlns:p="http://schemas.openxmlformats.org/presentationml/2006/main">
+  <p:cSld>
+    <p:spTree>
+      <p:nvGrpSpPr>
+        <p:cNvPr id="1" name=""/>
+        <p:cNvGrpSpPr/>
+        <p:nvPr/>
+      </p:nvGrpSpPr>
+      <p:grpSpPr>
+        <a:xfrm>
+          <a:off x="0" y="0"/>
+          <a:ext cx="0" cy="0"/>
+          <a:chOff x="0" y="0"/>
+          <a:chExt cx="0" cy="0"/>
+        </a:xfrm>
+      </p:grpSpPr>
+      <p:sp>
+        <p:nvSpPr>
+          <p:cNvPr id="2" name="タイトル 1"/>
+          <p:cNvSpPr>
+            <a:spLocks noGrp="1"/>
+          </p:cNvSpPr>
+          <p:nvPr>
+            <p:ph type="title"/>
+          </p:nvPr>
+        </p:nvSpPr>
+        <p:spPr/>
+        <p:txBody>
+          <a:bodyPr/>
+          <a:lstStyle/>
+          <a:p>
+            <a:r>
+              <a:rPr kumimoji="1" lang="ja-JP" altLang="en-US" dirty="0" smtClean="0"/>
+              <a:t>動的にテキストに効果をつける</a:t>
+            </a:r>
+            <a:endParaRPr kumimoji="1" lang="ja-JP" altLang="en-US" dirty="0"/>
+          </a:p>
+        </p:txBody>
+      </p:sp>
+      <p:sp>
+        <p:nvSpPr>
+          <p:cNvPr id="3" name="コンテンツ プレースホルダー 2"/>
+          <p:cNvSpPr>
+            <a:spLocks noGrp="1"/>
+          </p:cNvSpPr>
+          <p:nvPr>
+            <p:ph idx="1"/>
+          </p:nvPr>
+        </p:nvSpPr>
+        <p:spPr>
+          <a:xfrm>
+            <a:off x="1041990" y="1714543"/>
+            <a:ext cx="10685721" cy="4766843"/>
+          </a:xfrm>
+        </p:spPr>
+        <p:txBody>
+          <a:bodyPr/>
+          <a:lstStyle/>
+          <a:p>
+            <a:pPr>
+              <a:lnSpc>
+                <a:spcPct val="150000"/>
+              </a:lnSpc>
+            </a:pPr>
+            <a:r>
+              <a:rPr lang="ja-JP" altLang="en-US" dirty="0" smtClean="0"/>
+              <a:t>アウトライン</a:t>
+            </a:r>
+            <a:r>
+              <a:rPr lang="en-US" altLang="ja-JP" dirty="0"/>
+              <a:t/>
+            </a:r>
+            <a:br>
+              <a:rPr lang="en-US" altLang="ja-JP" dirty="0"/>
+            </a:br>
+            <a:r>
+              <a:rPr lang="en-US" altLang="ja-JP" dirty="0" smtClean="0"/>
+              <a:t>1.0~0.6</a:t>
+            </a:r>
+            <a:r>
+              <a:rPr lang="ja-JP" altLang="en-US" dirty="0" smtClean="0"/>
+              <a:t>にすると・・・</a:t>
+            </a:r>
+            <a:r>
+              <a:rPr lang="en-US" altLang="ja-JP" dirty="0" smtClean="0"/>
+              <a:t/>
+            </a:r>
+            <a:br>
+              <a:rPr lang="en-US" altLang="ja-JP" dirty="0" smtClean="0"/>
+            </a:br>
+            <a:r>
+              <a:rPr lang="en-US" altLang="ja-JP" dirty="0" smtClean="0"/>
+              <a:t/>
+            </a:r>
+            <a:br>
+              <a:rPr lang="en-US" altLang="ja-JP" dirty="0" smtClean="0"/>
+            </a:br>
+            <a:r>
+              <a:rPr lang="en-US" altLang="ja-JP" dirty="0" smtClean="0"/>
+              <a:t/>
+            </a:r>
+            <a:br>
+              <a:rPr lang="en-US" altLang="ja-JP" dirty="0" smtClean="0"/>
+            </a:br>
+            <a:r>
+              <a:rPr lang="en-US" altLang="ja-JP" dirty="0" smtClean="0"/>
+              <a:t/>
+            </a:r>
+            <a:br>
+              <a:rPr lang="en-US" altLang="ja-JP" dirty="0" smtClean="0"/>
+            </a:br>
+            <a:r>
+              <a:rPr lang="en-US" altLang="ja-JP" dirty="0" smtClean="0"/>
+              <a:t/>
+            </a:r>
+            <a:br>
+              <a:rPr lang="en-US" altLang="ja-JP" dirty="0" smtClean="0"/>
+            </a:br>
+            <a:r>
+              <a:rPr lang="en-US" altLang="ja-JP" dirty="0" smtClean="0"/>
+              <a:t/>
+            </a:r>
+            <a:br>
+              <a:rPr lang="en-US" altLang="ja-JP" dirty="0" smtClean="0"/>
+            </a:br>
+            <a:r>
+              <a:rPr lang="en-US" altLang="ja-JP" dirty="0" smtClean="0"/>
+              <a:t/>
+            </a:r>
+            <a:br>
+              <a:rPr lang="en-US" altLang="ja-JP" dirty="0" smtClean="0"/>
+            </a:br>
+            <a:r>
+              <a:rPr lang="ja-JP" altLang="en-US" dirty="0" smtClean="0"/>
+              <a:t>ちょっと潰れちゃってたり・・？</a:t>
+            </a:r>
+            <a:endParaRPr kumimoji="1" lang="ja-JP" altLang="en-US" dirty="0"/>
+          </a:p>
+        </p:txBody>
+      </p:sp>
+      <p:pic>
+        <p:nvPicPr>
+          <p:cNvPr id="5" name="図 4"/>
+          <p:cNvPicPr>
+            <a:picLocks noChangeAspect="1"/>
+          </p:cNvPicPr>
+          <p:nvPr/>
+        </p:nvPicPr>
+        <p:blipFill>
+          <a:blip r:embed="rId2">
+            <a:extLst>
+              <a:ext uri="{28A0092B-C50C-407E-A947-70E740481C1C}">
+                <a14:useLocalDpi xmlns:a14="http://schemas.microsoft.com/office/drawing/2010/main" val="0"/>
+              </a:ext>
+            </a:extLst>
+          </a:blip>
+          <a:stretch>
+            <a:fillRect/>
+          </a:stretch>
+        </p:blipFill>
+        <p:spPr>
+          <a:xfrm>
+            <a:off x="1371600" y="2831814"/>
+            <a:ext cx="10380036" cy="2532299"/>
+          </a:xfrm>
+          <a:prstGeom prst="rect">
+            <a:avLst/>
+          </a:prstGeom>
+        </p:spPr>
+      </p:pic>
+    </p:spTree>
+    <p:extLst>
+      <p:ext uri="{BB962C8B-B14F-4D97-AF65-F5344CB8AC3E}">
+        <p14:creationId xmlns:p14="http://schemas.microsoft.com/office/powerpoint/2010/main" val="897699073"/>
+      </p:ext>
+    </p:extLst>
+  </p:cSld>
+  <p:clrMapOvr>
+    <a:masterClrMapping/>
+  </p:clrMapOvr>
+</p:sld>
+</file>
+
+<file path=ppt/slides/slide6.xml><?xml version="1.0" encoding="utf-8"?>
+<p:sld xmlns:a="http://schemas.openxmlformats.org/drawingml/2006/main" xmlns:r="http://schemas.openxmlformats.org/officeDocument/2006/relationships" xmlns:p="http://schemas.openxmlformats.org/presentationml/2006/main">
+  <p:cSld>
+    <p:spTree>
+      <p:nvGrpSpPr>
+        <p:cNvPr id="1" name=""/>
+        <p:cNvGrpSpPr/>
+        <p:nvPr/>
+      </p:nvGrpSpPr>
+      <p:grpSpPr>
+        <a:xfrm>
+          <a:off x="0" y="0"/>
+          <a:ext cx="0" cy="0"/>
+          <a:chOff x="0" y="0"/>
+          <a:chExt cx="0" cy="0"/>
+        </a:xfrm>
+      </p:grpSpPr>
+      <p:sp>
+        <p:nvSpPr>
+          <p:cNvPr id="2" name="タイトル 1"/>
+          <p:cNvSpPr>
+            <a:spLocks noGrp="1"/>
+          </p:cNvSpPr>
+          <p:nvPr>
+            <p:ph type="title"/>
+          </p:nvPr>
+        </p:nvSpPr>
+        <p:spPr/>
+        <p:txBody>
+          <a:bodyPr/>
+          <a:lstStyle/>
+          <a:p>
+            <a:r>
+              <a:rPr lang="ja-JP" altLang="en-US" dirty="0"/>
+              <a:t>動的にテキストに効果をつける</a:t>
+            </a:r>
+            <a:endParaRPr kumimoji="1" lang="ja-JP" altLang="en-US" dirty="0"/>
+          </a:p>
+        </p:txBody>
+      </p:sp>
+      <p:sp>
+        <p:nvSpPr>
+          <p:cNvPr id="3" name="コンテンツ プレースホルダー 2"/>
+          <p:cNvSpPr>
+            <a:spLocks noGrp="1"/>
+          </p:cNvSpPr>
+          <p:nvPr>
+            <p:ph idx="1"/>
+          </p:nvPr>
+        </p:nvSpPr>
+        <p:spPr>
+          <a:xfrm>
+            <a:off x="935663" y="2094619"/>
+            <a:ext cx="9601200" cy="3581400"/>
+          </a:xfrm>
+        </p:spPr>
+        <p:txBody>
+          <a:bodyPr/>
+          <a:lstStyle/>
+          <a:p>
+            <a:pPr>
+              <a:lnSpc>
+                <a:spcPct val="150000"/>
+              </a:lnSpc>
+            </a:pPr>
+            <a:r>
+              <a:rPr lang="ja-JP" altLang="en-US" dirty="0" smtClean="0"/>
+              <a:t>影も同じような原理で表示できる</a:t>
+            </a:r>
+            <a:r>
+              <a:rPr lang="en-US" altLang="ja-JP" dirty="0" smtClean="0"/>
+              <a:t/>
+            </a:r>
+            <a:br>
+              <a:rPr lang="en-US" altLang="ja-JP" dirty="0" smtClean="0"/>
+            </a:br>
+            <a:r>
+              <a:rPr lang="en-US" altLang="ja-JP" dirty="0" smtClean="0"/>
+              <a:t>ex.)</a:t>
+            </a:r>
+            <a:r>
+              <a:rPr lang="ja-JP" altLang="en-US" dirty="0" smtClean="0"/>
+              <a:t>　</a:t>
+            </a:r>
+            <a:r>
+              <a:rPr lang="en-US" altLang="ja-JP" dirty="0" smtClean="0"/>
+              <a:t>1.0~0.8</a:t>
+            </a:r>
+            <a:r>
+              <a:rPr lang="ja-JP" altLang="en-US" dirty="0" smtClean="0"/>
+              <a:t>の部分を赤色の影にして</a:t>
+            </a:r>
+            <a:r>
+              <a:rPr lang="en-US" altLang="ja-JP" dirty="0" smtClean="0"/>
+              <a:t/>
+            </a:r>
+            <a:br>
+              <a:rPr lang="en-US" altLang="ja-JP" dirty="0" smtClean="0"/>
+            </a:br>
+            <a:r>
+              <a:rPr lang="en-US" altLang="ja-JP" dirty="0" smtClean="0"/>
+              <a:t>	x</a:t>
+            </a:r>
+            <a:r>
+              <a:rPr lang="ja-JP" altLang="en-US" dirty="0" smtClean="0"/>
+              <a:t>に</a:t>
+            </a:r>
+            <a:r>
+              <a:rPr lang="en-US" altLang="ja-JP" dirty="0" smtClean="0"/>
+              <a:t>0.5, y</a:t>
+            </a:r>
+            <a:r>
+              <a:rPr lang="ja-JP" altLang="en-US" dirty="0" smtClean="0"/>
+              <a:t>に</a:t>
+            </a:r>
+            <a:r>
+              <a:rPr lang="en-US" altLang="ja-JP" dirty="0" smtClean="0"/>
+              <a:t>-0.5</a:t>
+            </a:r>
+            <a:r>
+              <a:rPr lang="ja-JP" altLang="en-US" dirty="0" smtClean="0"/>
+              <a:t>移動させた場所に表示</a:t>
+            </a:r>
+            <a:endParaRPr kumimoji="1" lang="ja-JP" altLang="en-US" dirty="0"/>
+          </a:p>
+        </p:txBody>
+      </p:sp>
+      <p:pic>
+        <p:nvPicPr>
+          <p:cNvPr id="4" name="図 3"/>
+          <p:cNvPicPr>
+            <a:picLocks noChangeAspect="1"/>
+          </p:cNvPicPr>
+          <p:nvPr/>
+        </p:nvPicPr>
+        <p:blipFill>
+          <a:blip r:embed="rId2">
+            <a:extLst>
+              <a:ext uri="{28A0092B-C50C-407E-A947-70E740481C1C}">
+                <a14:useLocalDpi xmlns:a14="http://schemas.microsoft.com/office/drawing/2010/main" val="0"/>
+              </a:ext>
+            </a:extLst>
+          </a:blip>
+          <a:stretch>
+            <a:fillRect/>
+          </a:stretch>
+        </p:blipFill>
+        <p:spPr>
+          <a:xfrm>
+            <a:off x="1573619" y="4076700"/>
+            <a:ext cx="9688413" cy="1790700"/>
+          </a:xfrm>
+          <a:prstGeom prst="rect">
+            <a:avLst/>
+          </a:prstGeom>
+        </p:spPr>
+      </p:pic>
+      <p:pic>
+        <p:nvPicPr>
+          <p:cNvPr id="5" name="図 4"/>
+          <p:cNvPicPr>
+            <a:picLocks noChangeAspect="1"/>
+          </p:cNvPicPr>
+          <p:nvPr/>
+        </p:nvPicPr>
+        <p:blipFill>
+          <a:blip r:embed="rId3">
+            <a:extLst>
+              <a:ext uri="{28A0092B-C50C-407E-A947-70E740481C1C}">
+                <a14:useLocalDpi xmlns:a14="http://schemas.microsoft.com/office/drawing/2010/main" val="0"/>
+              </a:ext>
+            </a:extLst>
+          </a:blip>
+          <a:stretch>
+            <a:fillRect/>
+          </a:stretch>
+        </p:blipFill>
+        <p:spPr>
+          <a:xfrm>
+            <a:off x="6279707" y="1459814"/>
+            <a:ext cx="5912293" cy="1664385"/>
+          </a:xfrm>
+          <a:prstGeom prst="rect">
+            <a:avLst/>
+          </a:prstGeom>
+        </p:spPr>
+      </p:pic>
+    </p:spTree>
+    <p:extLst>
+      <p:ext uri="{BB962C8B-B14F-4D97-AF65-F5344CB8AC3E}">
+        <p14:creationId xmlns:p14="http://schemas.microsoft.com/office/powerpoint/2010/main" val="117739370"/>
       </p:ext>
     </p:extLst>
   </p:cSld>

--- a/RHStudy/Documents/TextMeshPro_r-hatase.pptx
+++ b/RHStudy/Documents/TextMeshPro_r-hatase.pptx
@@ -11,6 +11,8 @@
     <p:sldId id="259" r:id="rId5"/>
     <p:sldId id="260" r:id="rId6"/>
     <p:sldId id="261" r:id="rId7"/>
+    <p:sldId id="262" r:id="rId8"/>
+    <p:sldId id="263" r:id="rId9"/>
   </p:sldIdLst>
   <p:sldSz cx="12192000" cy="6858000"/>
   <p:notesSz cx="6858000" cy="9144000"/>
@@ -287,7 +289,7 @@
             <a:fld id="{87DE6118-2437-4B30-8E3C-4D2BE6020583}" type="datetimeFigureOut">
               <a:rPr lang="en-US" dirty="0"/>
               <a:pPr/>
-              <a:t>9/6/16</a:t>
+              <a:t>9/8/16</a:t>
             </a:fld>
             <a:endParaRPr lang="en-US" dirty="0"/>
           </a:p>
@@ -645,7 +647,7 @@
           <a:p>
             <a:fld id="{87DE6118-2437-4B30-8E3C-4D2BE6020583}" type="datetimeFigureOut">
               <a:rPr lang="en-US" dirty="0"/>
-              <a:t>9/6/16</a:t>
+              <a:t>9/8/16</a:t>
             </a:fld>
             <a:endParaRPr lang="en-US" dirty="0"/>
           </a:p>
@@ -852,7 +854,7 @@
           <a:p>
             <a:fld id="{87DE6118-2437-4B30-8E3C-4D2BE6020583}" type="datetimeFigureOut">
               <a:rPr lang="en-US" dirty="0"/>
-              <a:t>9/6/16</a:t>
+              <a:t>9/8/16</a:t>
             </a:fld>
             <a:endParaRPr lang="en-US" dirty="0"/>
           </a:p>
@@ -1049,7 +1051,7 @@
           <a:p>
             <a:fld id="{87DE6118-2437-4B30-8E3C-4D2BE6020583}" type="datetimeFigureOut">
               <a:rPr lang="en-US" dirty="0"/>
-              <a:t>9/6/16</a:t>
+              <a:t>9/8/16</a:t>
             </a:fld>
             <a:endParaRPr lang="en-US" dirty="0"/>
           </a:p>
@@ -1322,7 +1324,7 @@
             <a:fld id="{87DE6118-2437-4B30-8E3C-4D2BE6020583}" type="datetimeFigureOut">
               <a:rPr lang="en-US" dirty="0"/>
               <a:pPr/>
-              <a:t>9/6/16</a:t>
+              <a:t>9/8/16</a:t>
             </a:fld>
             <a:endParaRPr lang="en-US" dirty="0"/>
           </a:p>
@@ -1776,7 +1778,7 @@
           <a:p>
             <a:fld id="{87DE6118-2437-4B30-8E3C-4D2BE6020583}" type="datetimeFigureOut">
               <a:rPr lang="en-US" dirty="0"/>
-              <a:t>9/6/16</a:t>
+              <a:t>9/8/16</a:t>
             </a:fld>
             <a:endParaRPr lang="en-US" dirty="0"/>
           </a:p>
@@ -2312,7 +2314,7 @@
           <a:p>
             <a:fld id="{87DE6118-2437-4B30-8E3C-4D2BE6020583}" type="datetimeFigureOut">
               <a:rPr lang="en-US" dirty="0"/>
-              <a:t>9/6/16</a:t>
+              <a:t>9/8/16</a:t>
             </a:fld>
             <a:endParaRPr lang="en-US" dirty="0"/>
           </a:p>
@@ -2425,7 +2427,7 @@
           <a:p>
             <a:fld id="{87DE6118-2437-4B30-8E3C-4D2BE6020583}" type="datetimeFigureOut">
               <a:rPr lang="en-US" dirty="0"/>
-              <a:t>9/6/16</a:t>
+              <a:t>9/8/16</a:t>
             </a:fld>
             <a:endParaRPr lang="en-US" dirty="0"/>
           </a:p>
@@ -2515,7 +2517,7 @@
           <a:p>
             <a:fld id="{87DE6118-2437-4B30-8E3C-4D2BE6020583}" type="datetimeFigureOut">
               <a:rPr lang="en-US" dirty="0"/>
-              <a:t>9/6/16</a:t>
+              <a:t>9/8/16</a:t>
             </a:fld>
             <a:endParaRPr lang="en-US" dirty="0"/>
           </a:p>
@@ -2889,7 +2891,7 @@
             <a:fld id="{87DE6118-2437-4B30-8E3C-4D2BE6020583}" type="datetimeFigureOut">
               <a:rPr lang="en-US" dirty="0"/>
               <a:pPr/>
-              <a:t>9/6/16</a:t>
+              <a:t>9/8/16</a:t>
             </a:fld>
             <a:endParaRPr lang="en-US" dirty="0"/>
           </a:p>
@@ -3274,7 +3276,7 @@
             <a:fld id="{87DE6118-2437-4B30-8E3C-4D2BE6020583}" type="datetimeFigureOut">
               <a:rPr lang="en-US" dirty="0"/>
               <a:pPr/>
-              <a:t>9/6/16</a:t>
+              <a:t>9/8/16</a:t>
             </a:fld>
             <a:endParaRPr lang="en-US" dirty="0"/>
           </a:p>
@@ -3581,7 +3583,7 @@
             <a:fld id="{87DE6118-2437-4B30-8E3C-4D2BE6020583}" type="datetimeFigureOut">
               <a:rPr lang="en-US" dirty="0"/>
               <a:pPr/>
-              <a:t>9/6/16</a:t>
+              <a:t>9/8/16</a:t>
             </a:fld>
             <a:endParaRPr lang="en-US" dirty="0"/>
           </a:p>
@@ -5112,6 +5114,351 @@
 </p:sld>
 </file>
 
+<file path=ppt/slides/slide7.xml><?xml version="1.0" encoding="utf-8"?>
+<p:sld xmlns:a="http://schemas.openxmlformats.org/drawingml/2006/main" xmlns:r="http://schemas.openxmlformats.org/officeDocument/2006/relationships" xmlns:p="http://schemas.openxmlformats.org/presentationml/2006/main">
+  <p:cSld>
+    <p:spTree>
+      <p:nvGrpSpPr>
+        <p:cNvPr id="1" name=""/>
+        <p:cNvGrpSpPr/>
+        <p:nvPr/>
+      </p:nvGrpSpPr>
+      <p:grpSpPr>
+        <a:xfrm>
+          <a:off x="0" y="0"/>
+          <a:ext cx="0" cy="0"/>
+          <a:chOff x="0" y="0"/>
+          <a:chExt cx="0" cy="0"/>
+        </a:xfrm>
+      </p:grpSpPr>
+      <p:sp>
+        <p:nvSpPr>
+          <p:cNvPr id="2" name="タイトル 1"/>
+          <p:cNvSpPr>
+            <a:spLocks noGrp="1"/>
+          </p:cNvSpPr>
+          <p:nvPr>
+            <p:ph type="title"/>
+          </p:nvPr>
+        </p:nvSpPr>
+        <p:spPr/>
+        <p:txBody>
+          <a:bodyPr/>
+          <a:lstStyle/>
+          <a:p>
+            <a:r>
+              <a:rPr kumimoji="1" lang="ja-JP" altLang="en-US" dirty="0" smtClean="0"/>
+              <a:t>カーニング、スペーシング</a:t>
+            </a:r>
+            <a:endParaRPr kumimoji="1" lang="ja-JP" altLang="en-US" dirty="0"/>
+          </a:p>
+        </p:txBody>
+      </p:sp>
+      <p:sp>
+        <p:nvSpPr>
+          <p:cNvPr id="3" name="コンテンツ プレースホルダー 2"/>
+          <p:cNvSpPr>
+            <a:spLocks noGrp="1"/>
+          </p:cNvSpPr>
+          <p:nvPr>
+            <p:ph idx="1"/>
+          </p:nvPr>
+        </p:nvSpPr>
+        <p:spPr>
+          <a:xfrm>
+            <a:off x="1158947" y="1637414"/>
+            <a:ext cx="10494338" cy="4229986"/>
+          </a:xfrm>
+        </p:spPr>
+        <p:txBody>
+          <a:bodyPr/>
+          <a:lstStyle/>
+          <a:p>
+            <a:pPr>
+              <a:lnSpc>
+                <a:spcPct val="150000"/>
+              </a:lnSpc>
+            </a:pPr>
+            <a:r>
+              <a:rPr lang="en-US" altLang="ja-JP" dirty="0" smtClean="0"/>
+              <a:t>Unity</a:t>
+            </a:r>
+            <a:r>
+              <a:rPr lang="ja-JP" altLang="en-US" dirty="0" smtClean="0"/>
+              <a:t>に標準で入っている</a:t>
+            </a:r>
+            <a:r>
+              <a:rPr lang="en-US" altLang="ja-JP" dirty="0" smtClean="0"/>
+              <a:t>Text</a:t>
+            </a:r>
+            <a:r>
+              <a:rPr lang="ja-JP" altLang="en-US" dirty="0" smtClean="0"/>
+              <a:t>にはカーニングや</a:t>
+            </a:r>
+            <a:r>
+              <a:rPr lang="en-US" altLang="ja-JP" dirty="0" smtClean="0"/>
+              <a:t/>
+            </a:r>
+            <a:br>
+              <a:rPr lang="en-US" altLang="ja-JP" dirty="0" smtClean="0"/>
+            </a:br>
+            <a:r>
+              <a:rPr lang="ja-JP" altLang="en-US" dirty="0" smtClean="0"/>
+              <a:t>横方向のスペーシングができない。</a:t>
+            </a:r>
+            <a:r>
+              <a:rPr lang="en-US" altLang="ja-JP" dirty="0" smtClean="0"/>
+              <a:t/>
+            </a:r>
+            <a:br>
+              <a:rPr lang="en-US" altLang="ja-JP" dirty="0" smtClean="0"/>
+            </a:br>
+            <a:r>
+              <a:rPr lang="en-US" altLang="ja-JP" dirty="0" smtClean="0"/>
+              <a:t/>
+            </a:r>
+            <a:br>
+              <a:rPr lang="en-US" altLang="ja-JP" dirty="0" smtClean="0"/>
+            </a:br>
+            <a:r>
+              <a:rPr kumimoji="1" lang="en-US" altLang="ja-JP" dirty="0" smtClean="0"/>
+              <a:t/>
+            </a:r>
+            <a:br>
+              <a:rPr kumimoji="1" lang="en-US" altLang="ja-JP" dirty="0" smtClean="0"/>
+            </a:br>
+            <a:endParaRPr kumimoji="1" lang="en-US" altLang="ja-JP" dirty="0" smtClean="0"/>
+          </a:p>
+          <a:p>
+            <a:pPr>
+              <a:lnSpc>
+                <a:spcPct val="150000"/>
+              </a:lnSpc>
+            </a:pPr>
+            <a:r>
+              <a:rPr lang="ja-JP" altLang="en-US" dirty="0" smtClean="0"/>
+              <a:t>特に横方向の文字をギリギリまで</a:t>
+            </a:r>
+            <a:r>
+              <a:rPr lang="en-US" altLang="ja-JP" dirty="0"/>
+              <a:t/>
+            </a:r>
+            <a:br>
+              <a:rPr lang="en-US" altLang="ja-JP" dirty="0"/>
+            </a:br>
+            <a:r>
+              <a:rPr lang="ja-JP" altLang="en-US" dirty="0" smtClean="0"/>
+              <a:t>詰めたりすることができる。</a:t>
+            </a:r>
+            <a:endParaRPr lang="en-US" altLang="ja-JP" dirty="0" smtClean="0"/>
+          </a:p>
+        </p:txBody>
+      </p:sp>
+      <p:pic>
+        <p:nvPicPr>
+          <p:cNvPr id="4" name="図 3"/>
+          <p:cNvPicPr>
+            <a:picLocks noChangeAspect="1"/>
+          </p:cNvPicPr>
+          <p:nvPr/>
+        </p:nvPicPr>
+        <p:blipFill>
+          <a:blip r:embed="rId2">
+            <a:extLst>
+              <a:ext uri="{28A0092B-C50C-407E-A947-70E740481C1C}">
+                <a14:useLocalDpi xmlns:a14="http://schemas.microsoft.com/office/drawing/2010/main" val="0"/>
+              </a:ext>
+            </a:extLst>
+          </a:blip>
+          <a:stretch>
+            <a:fillRect/>
+          </a:stretch>
+        </p:blipFill>
+        <p:spPr>
+          <a:xfrm>
+            <a:off x="8569549" y="1426664"/>
+            <a:ext cx="2615904" cy="1490072"/>
+          </a:xfrm>
+          <a:prstGeom prst="rect">
+            <a:avLst/>
+          </a:prstGeom>
+        </p:spPr>
+      </p:pic>
+      <p:sp>
+        <p:nvSpPr>
+          <p:cNvPr id="6" name="テキスト ボックス 5"/>
+          <p:cNvSpPr txBox="1"/>
+          <p:nvPr/>
+        </p:nvSpPr>
+        <p:spPr>
+          <a:xfrm>
+            <a:off x="9101470" y="2973701"/>
+            <a:ext cx="2817628" cy="369332"/>
+          </a:xfrm>
+          <a:prstGeom prst="rect">
+            <a:avLst/>
+          </a:prstGeom>
+          <a:noFill/>
+        </p:spPr>
+        <p:txBody>
+          <a:bodyPr wrap="square" rtlCol="0">
+            <a:spAutoFit/>
+          </a:bodyPr>
+          <a:lstStyle/>
+          <a:p>
+            <a:r>
+              <a:rPr kumimoji="1" lang="ja-JP" altLang="en-US" dirty="0" smtClean="0"/>
+              <a:t>横方向のスペーシング</a:t>
+            </a:r>
+            <a:endParaRPr kumimoji="1" lang="ja-JP" altLang="en-US" dirty="0"/>
+          </a:p>
+        </p:txBody>
+      </p:sp>
+      <p:pic>
+        <p:nvPicPr>
+          <p:cNvPr id="7" name="図 6"/>
+          <p:cNvPicPr>
+            <a:picLocks noChangeAspect="1"/>
+          </p:cNvPicPr>
+          <p:nvPr/>
+        </p:nvPicPr>
+        <p:blipFill>
+          <a:blip r:embed="rId3">
+            <a:extLst>
+              <a:ext uri="{28A0092B-C50C-407E-A947-70E740481C1C}">
+                <a14:useLocalDpi xmlns:a14="http://schemas.microsoft.com/office/drawing/2010/main" val="0"/>
+              </a:ext>
+            </a:extLst>
+          </a:blip>
+          <a:stretch>
+            <a:fillRect/>
+          </a:stretch>
+        </p:blipFill>
+        <p:spPr>
+          <a:xfrm>
+            <a:off x="8569549" y="4380706"/>
+            <a:ext cx="2212754" cy="1486694"/>
+          </a:xfrm>
+          <a:prstGeom prst="rect">
+            <a:avLst/>
+          </a:prstGeom>
+        </p:spPr>
+      </p:pic>
+      <p:sp>
+        <p:nvSpPr>
+          <p:cNvPr id="8" name="テキスト ボックス 7"/>
+          <p:cNvSpPr txBox="1"/>
+          <p:nvPr/>
+        </p:nvSpPr>
+        <p:spPr>
+          <a:xfrm>
+            <a:off x="9101470" y="5867400"/>
+            <a:ext cx="2817628" cy="369332"/>
+          </a:xfrm>
+          <a:prstGeom prst="rect">
+            <a:avLst/>
+          </a:prstGeom>
+          <a:noFill/>
+        </p:spPr>
+        <p:txBody>
+          <a:bodyPr wrap="square" rtlCol="0">
+            <a:spAutoFit/>
+          </a:bodyPr>
+          <a:lstStyle/>
+          <a:p>
+            <a:r>
+              <a:rPr kumimoji="1" lang="ja-JP" altLang="en-US" dirty="0" smtClean="0"/>
+              <a:t>ギリギリまで詰める</a:t>
+            </a:r>
+            <a:endParaRPr kumimoji="1" lang="ja-JP" altLang="en-US" dirty="0"/>
+          </a:p>
+        </p:txBody>
+      </p:sp>
+    </p:spTree>
+    <p:extLst>
+      <p:ext uri="{BB962C8B-B14F-4D97-AF65-F5344CB8AC3E}">
+        <p14:creationId xmlns:p14="http://schemas.microsoft.com/office/powerpoint/2010/main" val="15678153"/>
+      </p:ext>
+    </p:extLst>
+  </p:cSld>
+  <p:clrMapOvr>
+    <a:masterClrMapping/>
+  </p:clrMapOvr>
+</p:sld>
+</file>
+
+<file path=ppt/slides/slide8.xml><?xml version="1.0" encoding="utf-8"?>
+<p:sld xmlns:a="http://schemas.openxmlformats.org/drawingml/2006/main" xmlns:r="http://schemas.openxmlformats.org/officeDocument/2006/relationships" xmlns:p="http://schemas.openxmlformats.org/presentationml/2006/main">
+  <p:cSld>
+    <p:spTree>
+      <p:nvGrpSpPr>
+        <p:cNvPr id="1" name=""/>
+        <p:cNvGrpSpPr/>
+        <p:nvPr/>
+      </p:nvGrpSpPr>
+      <p:grpSpPr>
+        <a:xfrm>
+          <a:off x="0" y="0"/>
+          <a:ext cx="0" cy="0"/>
+          <a:chOff x="0" y="0"/>
+          <a:chExt cx="0" cy="0"/>
+        </a:xfrm>
+      </p:grpSpPr>
+      <p:sp>
+        <p:nvSpPr>
+          <p:cNvPr id="2" name="タイトル 1"/>
+          <p:cNvSpPr>
+            <a:spLocks noGrp="1"/>
+          </p:cNvSpPr>
+          <p:nvPr>
+            <p:ph type="title"/>
+          </p:nvPr>
+        </p:nvSpPr>
+        <p:spPr/>
+        <p:txBody>
+          <a:bodyPr/>
+          <a:lstStyle/>
+          <a:p>
+            <a:r>
+              <a:rPr kumimoji="1" lang="ja-JP" altLang="en-US" smtClean="0"/>
+              <a:t>スクリプトでできること</a:t>
+            </a:r>
+            <a:endParaRPr kumimoji="1" lang="ja-JP" altLang="en-US" dirty="0"/>
+          </a:p>
+        </p:txBody>
+      </p:sp>
+      <p:sp>
+        <p:nvSpPr>
+          <p:cNvPr id="3" name="コンテンツ プレースホルダー 2"/>
+          <p:cNvSpPr>
+            <a:spLocks noGrp="1"/>
+          </p:cNvSpPr>
+          <p:nvPr>
+            <p:ph idx="1"/>
+          </p:nvPr>
+        </p:nvSpPr>
+        <p:spPr/>
+        <p:txBody>
+          <a:bodyPr/>
+          <a:lstStyle/>
+          <a:p>
+            <a:endParaRPr kumimoji="1" lang="ja-JP" altLang="en-US"/>
+          </a:p>
+        </p:txBody>
+      </p:sp>
+    </p:spTree>
+    <p:extLst>
+      <p:ext uri="{BB962C8B-B14F-4D97-AF65-F5344CB8AC3E}">
+        <p14:creationId xmlns:p14="http://schemas.microsoft.com/office/powerpoint/2010/main" val="1787003818"/>
+      </p:ext>
+    </p:extLst>
+  </p:cSld>
+  <p:clrMapOvr>
+    <a:masterClrMapping/>
+  </p:clrMapOvr>
+</p:sld>
+</file>
+
 <file path=ppt/theme/theme1.xml><?xml version="1.0" encoding="utf-8"?>
 <a:theme xmlns:a="http://schemas.openxmlformats.org/drawingml/2006/main" name="トリミング">
   <a:themeElements>

--- a/RHStudy/Documents/TextMeshPro_r-hatase.pptx
+++ b/RHStudy/Documents/TextMeshPro_r-hatase.pptx
@@ -4,6 +4,9 @@
   <p:sldMasterIdLst>
     <p:sldMasterId id="2147483648" r:id="rId1"/>
   </p:sldMasterIdLst>
+  <p:notesMasterIdLst>
+    <p:notesMasterId r:id="rId15"/>
+  </p:notesMasterIdLst>
   <p:sldIdLst>
     <p:sldId id="256" r:id="rId2"/>
     <p:sldId id="257" r:id="rId3"/>
@@ -13,6 +16,11 @@
     <p:sldId id="261" r:id="rId7"/>
     <p:sldId id="262" r:id="rId8"/>
     <p:sldId id="263" r:id="rId9"/>
+    <p:sldId id="264" r:id="rId10"/>
+    <p:sldId id="265" r:id="rId11"/>
+    <p:sldId id="267" r:id="rId12"/>
+    <p:sldId id="268" r:id="rId13"/>
+    <p:sldId id="266" r:id="rId14"/>
   </p:sldIdLst>
   <p:sldSz cx="12192000" cy="6858000"/>
   <p:notesSz cx="6858000" cy="9144000"/>
@@ -119,6 +127,813 @@
 </p:presentation>
 </file>
 
+<file path=ppt/notesMasters/notesMaster1.xml><?xml version="1.0" encoding="utf-8"?>
+<p:notesMaster xmlns:a="http://schemas.openxmlformats.org/drawingml/2006/main" xmlns:r="http://schemas.openxmlformats.org/officeDocument/2006/relationships" xmlns:p="http://schemas.openxmlformats.org/presentationml/2006/main">
+  <p:cSld>
+    <p:bg>
+      <p:bgRef idx="1001">
+        <a:schemeClr val="bg1"/>
+      </p:bgRef>
+    </p:bg>
+    <p:spTree>
+      <p:nvGrpSpPr>
+        <p:cNvPr id="1" name=""/>
+        <p:cNvGrpSpPr/>
+        <p:nvPr/>
+      </p:nvGrpSpPr>
+      <p:grpSpPr>
+        <a:xfrm>
+          <a:off x="0" y="0"/>
+          <a:ext cx="0" cy="0"/>
+          <a:chOff x="0" y="0"/>
+          <a:chExt cx="0" cy="0"/>
+        </a:xfrm>
+      </p:grpSpPr>
+      <p:sp>
+        <p:nvSpPr>
+          <p:cNvPr id="2" name="ヘッダー プレースホルダー 1"/>
+          <p:cNvSpPr>
+            <a:spLocks noGrp="1"/>
+          </p:cNvSpPr>
+          <p:nvPr>
+            <p:ph type="hdr" sz="quarter"/>
+          </p:nvPr>
+        </p:nvSpPr>
+        <p:spPr>
+          <a:xfrm>
+            <a:off x="0" y="0"/>
+            <a:ext cx="2971800" cy="458788"/>
+          </a:xfrm>
+          <a:prstGeom prst="rect">
+            <a:avLst/>
+          </a:prstGeom>
+        </p:spPr>
+        <p:txBody>
+          <a:bodyPr vert="horz" lIns="91440" tIns="45720" rIns="91440" bIns="45720" rtlCol="0"/>
+          <a:lstStyle>
+            <a:lvl1pPr algn="l">
+              <a:defRPr sz="1200"/>
+            </a:lvl1pPr>
+          </a:lstStyle>
+          <a:p>
+            <a:endParaRPr kumimoji="1" lang="ja-JP" altLang="en-US"/>
+          </a:p>
+        </p:txBody>
+      </p:sp>
+      <p:sp>
+        <p:nvSpPr>
+          <p:cNvPr id="3" name="日付プレースホルダー 2"/>
+          <p:cNvSpPr>
+            <a:spLocks noGrp="1"/>
+          </p:cNvSpPr>
+          <p:nvPr>
+            <p:ph type="dt" idx="1"/>
+          </p:nvPr>
+        </p:nvSpPr>
+        <p:spPr>
+          <a:xfrm>
+            <a:off x="3884613" y="0"/>
+            <a:ext cx="2971800" cy="458788"/>
+          </a:xfrm>
+          <a:prstGeom prst="rect">
+            <a:avLst/>
+          </a:prstGeom>
+        </p:spPr>
+        <p:txBody>
+          <a:bodyPr vert="horz" lIns="91440" tIns="45720" rIns="91440" bIns="45720" rtlCol="0"/>
+          <a:lstStyle>
+            <a:lvl1pPr algn="r">
+              <a:defRPr sz="1200"/>
+            </a:lvl1pPr>
+          </a:lstStyle>
+          <a:p>
+            <a:fld id="{AE5BCC25-BABA-5C41-A713-7750B9061E50}" type="datetimeFigureOut">
+              <a:rPr kumimoji="1" lang="ja-JP" altLang="en-US" smtClean="0"/>
+              <a:t>2016/9/12</a:t>
+            </a:fld>
+            <a:endParaRPr kumimoji="1" lang="ja-JP" altLang="en-US"/>
+          </a:p>
+        </p:txBody>
+      </p:sp>
+      <p:sp>
+        <p:nvSpPr>
+          <p:cNvPr id="4" name="スライド イメージ プレースホルダー 3"/>
+          <p:cNvSpPr>
+            <a:spLocks noGrp="1" noRot="1" noChangeAspect="1"/>
+          </p:cNvSpPr>
+          <p:nvPr>
+            <p:ph type="sldImg" idx="2"/>
+          </p:nvPr>
+        </p:nvSpPr>
+        <p:spPr>
+          <a:xfrm>
+            <a:off x="685800" y="1143000"/>
+            <a:ext cx="5486400" cy="3086100"/>
+          </a:xfrm>
+          <a:prstGeom prst="rect">
+            <a:avLst/>
+          </a:prstGeom>
+          <a:noFill/>
+          <a:ln w="12700">
+            <a:solidFill>
+              <a:prstClr val="black"/>
+            </a:solidFill>
+          </a:ln>
+        </p:spPr>
+        <p:txBody>
+          <a:bodyPr vert="horz" lIns="91440" tIns="45720" rIns="91440" bIns="45720" rtlCol="0" anchor="ctr"/>
+          <a:lstStyle/>
+          <a:p>
+            <a:endParaRPr lang="ja-JP" altLang="en-US"/>
+          </a:p>
+        </p:txBody>
+      </p:sp>
+      <p:sp>
+        <p:nvSpPr>
+          <p:cNvPr id="5" name="ノート プレースホルダー 4"/>
+          <p:cNvSpPr>
+            <a:spLocks noGrp="1"/>
+          </p:cNvSpPr>
+          <p:nvPr>
+            <p:ph type="body" sz="quarter" idx="3"/>
+          </p:nvPr>
+        </p:nvSpPr>
+        <p:spPr>
+          <a:xfrm>
+            <a:off x="685800" y="4400550"/>
+            <a:ext cx="5486400" cy="3600450"/>
+          </a:xfrm>
+          <a:prstGeom prst="rect">
+            <a:avLst/>
+          </a:prstGeom>
+        </p:spPr>
+        <p:txBody>
+          <a:bodyPr vert="horz" lIns="91440" tIns="45720" rIns="91440" bIns="45720" rtlCol="0"/>
+          <a:lstStyle/>
+          <a:p>
+            <a:pPr lvl="0"/>
+            <a:r>
+              <a:rPr kumimoji="1" lang="ja-JP" altLang="en-US" smtClean="0"/>
+              <a:t>マスター テキストの書式設定</a:t>
+            </a:r>
+          </a:p>
+          <a:p>
+            <a:pPr lvl="1"/>
+            <a:r>
+              <a:rPr kumimoji="1" lang="ja-JP" altLang="en-US" smtClean="0"/>
+              <a:t>第 </a:t>
+            </a:r>
+            <a:r>
+              <a:rPr kumimoji="1" lang="en-US" altLang="ja-JP" smtClean="0"/>
+              <a:t>2 </a:t>
+            </a:r>
+            <a:r>
+              <a:rPr kumimoji="1" lang="ja-JP" altLang="en-US" smtClean="0"/>
+              <a:t>レベル</a:t>
+            </a:r>
+          </a:p>
+          <a:p>
+            <a:pPr lvl="2"/>
+            <a:r>
+              <a:rPr kumimoji="1" lang="ja-JP" altLang="en-US" smtClean="0"/>
+              <a:t>第 </a:t>
+            </a:r>
+            <a:r>
+              <a:rPr kumimoji="1" lang="en-US" altLang="ja-JP" smtClean="0"/>
+              <a:t>3 </a:t>
+            </a:r>
+            <a:r>
+              <a:rPr kumimoji="1" lang="ja-JP" altLang="en-US" smtClean="0"/>
+              <a:t>レベル</a:t>
+            </a:r>
+          </a:p>
+          <a:p>
+            <a:pPr lvl="3"/>
+            <a:r>
+              <a:rPr kumimoji="1" lang="ja-JP" altLang="en-US" smtClean="0"/>
+              <a:t>第 </a:t>
+            </a:r>
+            <a:r>
+              <a:rPr kumimoji="1" lang="en-US" altLang="ja-JP" smtClean="0"/>
+              <a:t>4 </a:t>
+            </a:r>
+            <a:r>
+              <a:rPr kumimoji="1" lang="ja-JP" altLang="en-US" smtClean="0"/>
+              <a:t>レベル</a:t>
+            </a:r>
+          </a:p>
+          <a:p>
+            <a:pPr lvl="4"/>
+            <a:r>
+              <a:rPr kumimoji="1" lang="ja-JP" altLang="en-US" smtClean="0"/>
+              <a:t>第 </a:t>
+            </a:r>
+            <a:r>
+              <a:rPr kumimoji="1" lang="en-US" altLang="ja-JP" smtClean="0"/>
+              <a:t>5 </a:t>
+            </a:r>
+            <a:r>
+              <a:rPr kumimoji="1" lang="ja-JP" altLang="en-US" smtClean="0"/>
+              <a:t>レベル</a:t>
+            </a:r>
+            <a:endParaRPr kumimoji="1" lang="ja-JP" altLang="en-US"/>
+          </a:p>
+        </p:txBody>
+      </p:sp>
+      <p:sp>
+        <p:nvSpPr>
+          <p:cNvPr id="6" name="フッター プレースホルダー 5"/>
+          <p:cNvSpPr>
+            <a:spLocks noGrp="1"/>
+          </p:cNvSpPr>
+          <p:nvPr>
+            <p:ph type="ftr" sz="quarter" idx="4"/>
+          </p:nvPr>
+        </p:nvSpPr>
+        <p:spPr>
+          <a:xfrm>
+            <a:off x="0" y="8685213"/>
+            <a:ext cx="2971800" cy="458787"/>
+          </a:xfrm>
+          <a:prstGeom prst="rect">
+            <a:avLst/>
+          </a:prstGeom>
+        </p:spPr>
+        <p:txBody>
+          <a:bodyPr vert="horz" lIns="91440" tIns="45720" rIns="91440" bIns="45720" rtlCol="0" anchor="b"/>
+          <a:lstStyle>
+            <a:lvl1pPr algn="l">
+              <a:defRPr sz="1200"/>
+            </a:lvl1pPr>
+          </a:lstStyle>
+          <a:p>
+            <a:endParaRPr kumimoji="1" lang="ja-JP" altLang="en-US"/>
+          </a:p>
+        </p:txBody>
+      </p:sp>
+      <p:sp>
+        <p:nvSpPr>
+          <p:cNvPr id="7" name="スライド番号プレースホルダー 6"/>
+          <p:cNvSpPr>
+            <a:spLocks noGrp="1"/>
+          </p:cNvSpPr>
+          <p:nvPr>
+            <p:ph type="sldNum" sz="quarter" idx="5"/>
+          </p:nvPr>
+        </p:nvSpPr>
+        <p:spPr>
+          <a:xfrm>
+            <a:off x="3884613" y="8685213"/>
+            <a:ext cx="2971800" cy="458787"/>
+          </a:xfrm>
+          <a:prstGeom prst="rect">
+            <a:avLst/>
+          </a:prstGeom>
+        </p:spPr>
+        <p:txBody>
+          <a:bodyPr vert="horz" lIns="91440" tIns="45720" rIns="91440" bIns="45720" rtlCol="0" anchor="b"/>
+          <a:lstStyle>
+            <a:lvl1pPr algn="r">
+              <a:defRPr sz="1200"/>
+            </a:lvl1pPr>
+          </a:lstStyle>
+          <a:p>
+            <a:fld id="{0EFBDEC2-BD9C-084B-A858-F7A39CFBF774}" type="slidenum">
+              <a:rPr kumimoji="1" lang="ja-JP" altLang="en-US" smtClean="0"/>
+              <a:t>‹#›</a:t>
+            </a:fld>
+            <a:endParaRPr kumimoji="1" lang="ja-JP" altLang="en-US"/>
+          </a:p>
+        </p:txBody>
+      </p:sp>
+    </p:spTree>
+    <p:extLst>
+      <p:ext uri="{BB962C8B-B14F-4D97-AF65-F5344CB8AC3E}">
+        <p14:creationId xmlns:p14="http://schemas.microsoft.com/office/powerpoint/2010/main" val="1876665832"/>
+      </p:ext>
+    </p:extLst>
+  </p:cSld>
+  <p:clrMap bg1="lt1" tx1="dk1" bg2="lt2" tx2="dk2" accent1="accent1" accent2="accent2" accent3="accent3" accent4="accent4" accent5="accent5" accent6="accent6" hlink="hlink" folHlink="folHlink"/>
+  <p:notesStyle>
+    <a:lvl1pPr marL="0" algn="l" defTabSz="914400" rtl="0" eaLnBrk="1" latinLnBrk="0" hangingPunct="1">
+      <a:defRPr kumimoji="1" sz="1200" kern="1200">
+        <a:solidFill>
+          <a:schemeClr val="tx1"/>
+        </a:solidFill>
+        <a:latin typeface="+mn-lt"/>
+        <a:ea typeface="+mn-ea"/>
+        <a:cs typeface="+mn-cs"/>
+      </a:defRPr>
+    </a:lvl1pPr>
+    <a:lvl2pPr marL="457200" algn="l" defTabSz="914400" rtl="0" eaLnBrk="1" latinLnBrk="0" hangingPunct="1">
+      <a:defRPr kumimoji="1" sz="1200" kern="1200">
+        <a:solidFill>
+          <a:schemeClr val="tx1"/>
+        </a:solidFill>
+        <a:latin typeface="+mn-lt"/>
+        <a:ea typeface="+mn-ea"/>
+        <a:cs typeface="+mn-cs"/>
+      </a:defRPr>
+    </a:lvl2pPr>
+    <a:lvl3pPr marL="914400" algn="l" defTabSz="914400" rtl="0" eaLnBrk="1" latinLnBrk="0" hangingPunct="1">
+      <a:defRPr kumimoji="1" sz="1200" kern="1200">
+        <a:solidFill>
+          <a:schemeClr val="tx1"/>
+        </a:solidFill>
+        <a:latin typeface="+mn-lt"/>
+        <a:ea typeface="+mn-ea"/>
+        <a:cs typeface="+mn-cs"/>
+      </a:defRPr>
+    </a:lvl3pPr>
+    <a:lvl4pPr marL="1371600" algn="l" defTabSz="914400" rtl="0" eaLnBrk="1" latinLnBrk="0" hangingPunct="1">
+      <a:defRPr kumimoji="1" sz="1200" kern="1200">
+        <a:solidFill>
+          <a:schemeClr val="tx1"/>
+        </a:solidFill>
+        <a:latin typeface="+mn-lt"/>
+        <a:ea typeface="+mn-ea"/>
+        <a:cs typeface="+mn-cs"/>
+      </a:defRPr>
+    </a:lvl4pPr>
+    <a:lvl5pPr marL="1828800" algn="l" defTabSz="914400" rtl="0" eaLnBrk="1" latinLnBrk="0" hangingPunct="1">
+      <a:defRPr kumimoji="1" sz="1200" kern="1200">
+        <a:solidFill>
+          <a:schemeClr val="tx1"/>
+        </a:solidFill>
+        <a:latin typeface="+mn-lt"/>
+        <a:ea typeface="+mn-ea"/>
+        <a:cs typeface="+mn-cs"/>
+      </a:defRPr>
+    </a:lvl5pPr>
+    <a:lvl6pPr marL="2286000" algn="l" defTabSz="914400" rtl="0" eaLnBrk="1" latinLnBrk="0" hangingPunct="1">
+      <a:defRPr kumimoji="1" sz="1200" kern="1200">
+        <a:solidFill>
+          <a:schemeClr val="tx1"/>
+        </a:solidFill>
+        <a:latin typeface="+mn-lt"/>
+        <a:ea typeface="+mn-ea"/>
+        <a:cs typeface="+mn-cs"/>
+      </a:defRPr>
+    </a:lvl6pPr>
+    <a:lvl7pPr marL="2743200" algn="l" defTabSz="914400" rtl="0" eaLnBrk="1" latinLnBrk="0" hangingPunct="1">
+      <a:defRPr kumimoji="1" sz="1200" kern="1200">
+        <a:solidFill>
+          <a:schemeClr val="tx1"/>
+        </a:solidFill>
+        <a:latin typeface="+mn-lt"/>
+        <a:ea typeface="+mn-ea"/>
+        <a:cs typeface="+mn-cs"/>
+      </a:defRPr>
+    </a:lvl7pPr>
+    <a:lvl8pPr marL="3200400" algn="l" defTabSz="914400" rtl="0" eaLnBrk="1" latinLnBrk="0" hangingPunct="1">
+      <a:defRPr kumimoji="1" sz="1200" kern="1200">
+        <a:solidFill>
+          <a:schemeClr val="tx1"/>
+        </a:solidFill>
+        <a:latin typeface="+mn-lt"/>
+        <a:ea typeface="+mn-ea"/>
+        <a:cs typeface="+mn-cs"/>
+      </a:defRPr>
+    </a:lvl8pPr>
+    <a:lvl9pPr marL="3657600" algn="l" defTabSz="914400" rtl="0" eaLnBrk="1" latinLnBrk="0" hangingPunct="1">
+      <a:defRPr kumimoji="1" sz="1200" kern="1200">
+        <a:solidFill>
+          <a:schemeClr val="tx1"/>
+        </a:solidFill>
+        <a:latin typeface="+mn-lt"/>
+        <a:ea typeface="+mn-ea"/>
+        <a:cs typeface="+mn-cs"/>
+      </a:defRPr>
+    </a:lvl9pPr>
+  </p:notesStyle>
+</p:notesMaster>
+</file>
+
+<file path=ppt/notesSlides/notesSlide1.xml><?xml version="1.0" encoding="utf-8"?>
+<p:notes xmlns:a="http://schemas.openxmlformats.org/drawingml/2006/main" xmlns:r="http://schemas.openxmlformats.org/officeDocument/2006/relationships" xmlns:p="http://schemas.openxmlformats.org/presentationml/2006/main">
+  <p:cSld>
+    <p:spTree>
+      <p:nvGrpSpPr>
+        <p:cNvPr id="1" name=""/>
+        <p:cNvGrpSpPr/>
+        <p:nvPr/>
+      </p:nvGrpSpPr>
+      <p:grpSpPr>
+        <a:xfrm>
+          <a:off x="0" y="0"/>
+          <a:ext cx="0" cy="0"/>
+          <a:chOff x="0" y="0"/>
+          <a:chExt cx="0" cy="0"/>
+        </a:xfrm>
+      </p:grpSpPr>
+      <p:sp>
+        <p:nvSpPr>
+          <p:cNvPr id="2" name="スライド イメージ プレースホルダー 1"/>
+          <p:cNvSpPr>
+            <a:spLocks noGrp="1" noRot="1" noChangeAspect="1"/>
+          </p:cNvSpPr>
+          <p:nvPr>
+            <p:ph type="sldImg"/>
+          </p:nvPr>
+        </p:nvSpPr>
+        <p:spPr/>
+      </p:sp>
+      <p:sp>
+        <p:nvSpPr>
+          <p:cNvPr id="3" name="ノート プレースホルダー 2"/>
+          <p:cNvSpPr>
+            <a:spLocks noGrp="1"/>
+          </p:cNvSpPr>
+          <p:nvPr>
+            <p:ph type="body" idx="1"/>
+          </p:nvPr>
+        </p:nvSpPr>
+        <p:spPr/>
+        <p:txBody>
+          <a:bodyPr/>
+          <a:lstStyle/>
+          <a:p>
+            <a:r>
+              <a:rPr kumimoji="1" lang="en-US" altLang="ja-JP" dirty="0" smtClean="0"/>
+              <a:t>.enabled</a:t>
+            </a:r>
+            <a:r>
+              <a:rPr kumimoji="1" lang="ja-JP" altLang="en-US" dirty="0" smtClean="0"/>
+              <a:t>で</a:t>
+            </a:r>
+            <a:r>
+              <a:rPr kumimoji="1" lang="en-US" altLang="ja-JP" dirty="0" smtClean="0"/>
+              <a:t>active</a:t>
+            </a:r>
+            <a:r>
+              <a:rPr kumimoji="1" lang="ja-JP" altLang="en-US" dirty="0" smtClean="0"/>
+              <a:t>の制御</a:t>
+            </a:r>
+            <a:endParaRPr kumimoji="1" lang="en-US" altLang="ja-JP" dirty="0" smtClean="0"/>
+          </a:p>
+          <a:p>
+            <a:r>
+              <a:rPr kumimoji="1" lang="en-US" altLang="ja-JP" dirty="0" smtClean="0"/>
+              <a:t>.text</a:t>
+            </a:r>
+            <a:r>
+              <a:rPr kumimoji="1" lang="ja-JP" altLang="en-US" dirty="0" smtClean="0"/>
+              <a:t>でテキストの編集</a:t>
+            </a:r>
+            <a:endParaRPr kumimoji="1" lang="en-US" altLang="ja-JP" dirty="0" smtClean="0"/>
+          </a:p>
+          <a:p>
+            <a:r>
+              <a:rPr kumimoji="1" lang="en-US" altLang="ja-JP" dirty="0" smtClean="0"/>
+              <a:t>.color</a:t>
+            </a:r>
+            <a:r>
+              <a:rPr kumimoji="1" lang="ja-JP" altLang="en-US" dirty="0" smtClean="0"/>
+              <a:t>でカラーの変更</a:t>
+            </a:r>
+            <a:endParaRPr kumimoji="1" lang="en-US" altLang="ja-JP" dirty="0" smtClean="0"/>
+          </a:p>
+          <a:p>
+            <a:r>
+              <a:rPr kumimoji="1" lang="en-US" altLang="ja-JP" dirty="0" smtClean="0"/>
+              <a:t>.</a:t>
+            </a:r>
+            <a:r>
+              <a:rPr kumimoji="1" lang="en-US" altLang="ja-JP" dirty="0" err="1" smtClean="0"/>
+              <a:t>fontMaterial</a:t>
+            </a:r>
+            <a:r>
+              <a:rPr kumimoji="1" lang="ja-JP" altLang="en-US" dirty="0" smtClean="0"/>
+              <a:t>でマテリアルを変更できる</a:t>
+            </a:r>
+            <a:endParaRPr kumimoji="1" lang="en-US" altLang="ja-JP" dirty="0" smtClean="0"/>
+          </a:p>
+        </p:txBody>
+      </p:sp>
+      <p:sp>
+        <p:nvSpPr>
+          <p:cNvPr id="4" name="スライド番号プレースホルダー 3"/>
+          <p:cNvSpPr>
+            <a:spLocks noGrp="1"/>
+          </p:cNvSpPr>
+          <p:nvPr>
+            <p:ph type="sldNum" sz="quarter" idx="10"/>
+          </p:nvPr>
+        </p:nvSpPr>
+        <p:spPr/>
+        <p:txBody>
+          <a:bodyPr/>
+          <a:lstStyle/>
+          <a:p>
+            <a:fld id="{0EFBDEC2-BD9C-084B-A858-F7A39CFBF774}" type="slidenum">
+              <a:rPr kumimoji="1" lang="ja-JP" altLang="en-US" smtClean="0"/>
+              <a:t>8</a:t>
+            </a:fld>
+            <a:endParaRPr kumimoji="1" lang="ja-JP" altLang="en-US"/>
+          </a:p>
+        </p:txBody>
+      </p:sp>
+    </p:spTree>
+    <p:extLst>
+      <p:ext uri="{BB962C8B-B14F-4D97-AF65-F5344CB8AC3E}">
+        <p14:creationId xmlns:p14="http://schemas.microsoft.com/office/powerpoint/2010/main" val="1030314935"/>
+      </p:ext>
+    </p:extLst>
+  </p:cSld>
+  <p:clrMapOvr>
+    <a:masterClrMapping/>
+  </p:clrMapOvr>
+</p:notes>
+</file>
+
+<file path=ppt/notesSlides/notesSlide2.xml><?xml version="1.0" encoding="utf-8"?>
+<p:notes xmlns:a="http://schemas.openxmlformats.org/drawingml/2006/main" xmlns:r="http://schemas.openxmlformats.org/officeDocument/2006/relationships" xmlns:p="http://schemas.openxmlformats.org/presentationml/2006/main">
+  <p:cSld>
+    <p:spTree>
+      <p:nvGrpSpPr>
+        <p:cNvPr id="1" name=""/>
+        <p:cNvGrpSpPr/>
+        <p:nvPr/>
+      </p:nvGrpSpPr>
+      <p:grpSpPr>
+        <a:xfrm>
+          <a:off x="0" y="0"/>
+          <a:ext cx="0" cy="0"/>
+          <a:chOff x="0" y="0"/>
+          <a:chExt cx="0" cy="0"/>
+        </a:xfrm>
+      </p:grpSpPr>
+      <p:sp>
+        <p:nvSpPr>
+          <p:cNvPr id="2" name="スライド イメージ プレースホルダー 1"/>
+          <p:cNvSpPr>
+            <a:spLocks noGrp="1" noRot="1" noChangeAspect="1"/>
+          </p:cNvSpPr>
+          <p:nvPr>
+            <p:ph type="sldImg"/>
+          </p:nvPr>
+        </p:nvSpPr>
+        <p:spPr/>
+      </p:sp>
+      <p:sp>
+        <p:nvSpPr>
+          <p:cNvPr id="3" name="ノート プレースホルダー 2"/>
+          <p:cNvSpPr>
+            <a:spLocks noGrp="1"/>
+          </p:cNvSpPr>
+          <p:nvPr>
+            <p:ph type="body" idx="1"/>
+          </p:nvPr>
+        </p:nvSpPr>
+        <p:spPr/>
+        <p:txBody>
+          <a:bodyPr/>
+          <a:lstStyle/>
+          <a:p>
+            <a:r>
+              <a:rPr kumimoji="1" lang="en-US" altLang="ja-JP" dirty="0" err="1" smtClean="0"/>
+              <a:t>DoLocalPositionMoveY</a:t>
+            </a:r>
+            <a:r>
+              <a:rPr kumimoji="1" lang="ja-JP" altLang="en-US" dirty="0" smtClean="0"/>
+              <a:t>と</a:t>
+            </a:r>
+            <a:r>
+              <a:rPr kumimoji="1" lang="en-US" altLang="ja-JP" dirty="0" err="1" smtClean="0"/>
+              <a:t>DoFadeq</a:t>
+            </a:r>
+            <a:endParaRPr kumimoji="1" lang="ja-JP" altLang="en-US" dirty="0"/>
+          </a:p>
+        </p:txBody>
+      </p:sp>
+      <p:sp>
+        <p:nvSpPr>
+          <p:cNvPr id="4" name="スライド番号プレースホルダー 3"/>
+          <p:cNvSpPr>
+            <a:spLocks noGrp="1"/>
+          </p:cNvSpPr>
+          <p:nvPr>
+            <p:ph type="sldNum" sz="quarter" idx="10"/>
+          </p:nvPr>
+        </p:nvSpPr>
+        <p:spPr/>
+        <p:txBody>
+          <a:bodyPr/>
+          <a:lstStyle/>
+          <a:p>
+            <a:fld id="{0EFBDEC2-BD9C-084B-A858-F7A39CFBF774}" type="slidenum">
+              <a:rPr kumimoji="1" lang="ja-JP" altLang="en-US" smtClean="0"/>
+              <a:t>10</a:t>
+            </a:fld>
+            <a:endParaRPr kumimoji="1" lang="ja-JP" altLang="en-US"/>
+          </a:p>
+        </p:txBody>
+      </p:sp>
+    </p:spTree>
+    <p:extLst>
+      <p:ext uri="{BB962C8B-B14F-4D97-AF65-F5344CB8AC3E}">
+        <p14:creationId xmlns:p14="http://schemas.microsoft.com/office/powerpoint/2010/main" val="45185720"/>
+      </p:ext>
+    </p:extLst>
+  </p:cSld>
+  <p:clrMapOvr>
+    <a:masterClrMapping/>
+  </p:clrMapOvr>
+</p:notes>
+</file>
+
+<file path=ppt/notesSlides/notesSlide3.xml><?xml version="1.0" encoding="utf-8"?>
+<p:notes xmlns:a="http://schemas.openxmlformats.org/drawingml/2006/main" xmlns:r="http://schemas.openxmlformats.org/officeDocument/2006/relationships" xmlns:p="http://schemas.openxmlformats.org/presentationml/2006/main">
+  <p:cSld>
+    <p:spTree>
+      <p:nvGrpSpPr>
+        <p:cNvPr id="1" name=""/>
+        <p:cNvGrpSpPr/>
+        <p:nvPr/>
+      </p:nvGrpSpPr>
+      <p:grpSpPr>
+        <a:xfrm>
+          <a:off x="0" y="0"/>
+          <a:ext cx="0" cy="0"/>
+          <a:chOff x="0" y="0"/>
+          <a:chExt cx="0" cy="0"/>
+        </a:xfrm>
+      </p:grpSpPr>
+      <p:sp>
+        <p:nvSpPr>
+          <p:cNvPr id="2" name="スライド イメージ プレースホルダー 1"/>
+          <p:cNvSpPr>
+            <a:spLocks noGrp="1" noRot="1" noChangeAspect="1"/>
+          </p:cNvSpPr>
+          <p:nvPr>
+            <p:ph type="sldImg"/>
+          </p:nvPr>
+        </p:nvSpPr>
+        <p:spPr/>
+      </p:sp>
+      <p:sp>
+        <p:nvSpPr>
+          <p:cNvPr id="3" name="ノート プレースホルダー 2"/>
+          <p:cNvSpPr>
+            <a:spLocks noGrp="1"/>
+          </p:cNvSpPr>
+          <p:nvPr>
+            <p:ph type="body" idx="1"/>
+          </p:nvPr>
+        </p:nvSpPr>
+        <p:spPr/>
+        <p:txBody>
+          <a:bodyPr/>
+          <a:lstStyle/>
+          <a:p>
+            <a:r>
+              <a:rPr kumimoji="1" lang="en-US" altLang="ja-JP" dirty="0" err="1" smtClean="0"/>
+              <a:t>DoLocalPositionMoveY</a:t>
+            </a:r>
+            <a:r>
+              <a:rPr kumimoji="1" lang="ja-JP" altLang="en-US" dirty="0" smtClean="0"/>
+              <a:t>と</a:t>
+            </a:r>
+            <a:r>
+              <a:rPr kumimoji="1" lang="en-US" altLang="ja-JP" dirty="0" err="1" smtClean="0"/>
+              <a:t>DoFadeq</a:t>
+            </a:r>
+            <a:endParaRPr kumimoji="1" lang="ja-JP" altLang="en-US" dirty="0"/>
+          </a:p>
+        </p:txBody>
+      </p:sp>
+      <p:sp>
+        <p:nvSpPr>
+          <p:cNvPr id="4" name="スライド番号プレースホルダー 3"/>
+          <p:cNvSpPr>
+            <a:spLocks noGrp="1"/>
+          </p:cNvSpPr>
+          <p:nvPr>
+            <p:ph type="sldNum" sz="quarter" idx="10"/>
+          </p:nvPr>
+        </p:nvSpPr>
+        <p:spPr/>
+        <p:txBody>
+          <a:bodyPr/>
+          <a:lstStyle/>
+          <a:p>
+            <a:fld id="{0EFBDEC2-BD9C-084B-A858-F7A39CFBF774}" type="slidenum">
+              <a:rPr kumimoji="1" lang="ja-JP" altLang="en-US" smtClean="0"/>
+              <a:t>11</a:t>
+            </a:fld>
+            <a:endParaRPr kumimoji="1" lang="ja-JP" altLang="en-US"/>
+          </a:p>
+        </p:txBody>
+      </p:sp>
+    </p:spTree>
+    <p:extLst>
+      <p:ext uri="{BB962C8B-B14F-4D97-AF65-F5344CB8AC3E}">
+        <p14:creationId xmlns:p14="http://schemas.microsoft.com/office/powerpoint/2010/main" val="1040159287"/>
+      </p:ext>
+    </p:extLst>
+  </p:cSld>
+  <p:clrMapOvr>
+    <a:masterClrMapping/>
+  </p:clrMapOvr>
+</p:notes>
+</file>
+
+<file path=ppt/notesSlides/notesSlide4.xml><?xml version="1.0" encoding="utf-8"?>
+<p:notes xmlns:a="http://schemas.openxmlformats.org/drawingml/2006/main" xmlns:r="http://schemas.openxmlformats.org/officeDocument/2006/relationships" xmlns:p="http://schemas.openxmlformats.org/presentationml/2006/main">
+  <p:cSld>
+    <p:spTree>
+      <p:nvGrpSpPr>
+        <p:cNvPr id="1" name=""/>
+        <p:cNvGrpSpPr/>
+        <p:nvPr/>
+      </p:nvGrpSpPr>
+      <p:grpSpPr>
+        <a:xfrm>
+          <a:off x="0" y="0"/>
+          <a:ext cx="0" cy="0"/>
+          <a:chOff x="0" y="0"/>
+          <a:chExt cx="0" cy="0"/>
+        </a:xfrm>
+      </p:grpSpPr>
+      <p:sp>
+        <p:nvSpPr>
+          <p:cNvPr id="2" name="スライド イメージ プレースホルダー 1"/>
+          <p:cNvSpPr>
+            <a:spLocks noGrp="1" noRot="1" noChangeAspect="1"/>
+          </p:cNvSpPr>
+          <p:nvPr>
+            <p:ph type="sldImg"/>
+          </p:nvPr>
+        </p:nvSpPr>
+        <p:spPr/>
+      </p:sp>
+      <p:sp>
+        <p:nvSpPr>
+          <p:cNvPr id="3" name="ノート プレースホルダー 2"/>
+          <p:cNvSpPr>
+            <a:spLocks noGrp="1"/>
+          </p:cNvSpPr>
+          <p:nvPr>
+            <p:ph type="body" idx="1"/>
+          </p:nvPr>
+        </p:nvSpPr>
+        <p:spPr/>
+        <p:txBody>
+          <a:bodyPr/>
+          <a:lstStyle/>
+          <a:p>
+            <a:r>
+              <a:rPr kumimoji="1" lang="en-US" altLang="ja-JP" dirty="0" err="1" smtClean="0"/>
+              <a:t>DoLocalPositionMoveY</a:t>
+            </a:r>
+            <a:r>
+              <a:rPr kumimoji="1" lang="ja-JP" altLang="en-US" dirty="0" smtClean="0"/>
+              <a:t>と</a:t>
+            </a:r>
+            <a:r>
+              <a:rPr kumimoji="1" lang="en-US" altLang="ja-JP" dirty="0" err="1" smtClean="0"/>
+              <a:t>DoFadeq</a:t>
+            </a:r>
+            <a:endParaRPr kumimoji="1" lang="ja-JP" altLang="en-US" dirty="0"/>
+          </a:p>
+        </p:txBody>
+      </p:sp>
+      <p:sp>
+        <p:nvSpPr>
+          <p:cNvPr id="4" name="スライド番号プレースホルダー 3"/>
+          <p:cNvSpPr>
+            <a:spLocks noGrp="1"/>
+          </p:cNvSpPr>
+          <p:nvPr>
+            <p:ph type="sldNum" sz="quarter" idx="10"/>
+          </p:nvPr>
+        </p:nvSpPr>
+        <p:spPr/>
+        <p:txBody>
+          <a:bodyPr/>
+          <a:lstStyle/>
+          <a:p>
+            <a:fld id="{0EFBDEC2-BD9C-084B-A858-F7A39CFBF774}" type="slidenum">
+              <a:rPr kumimoji="1" lang="ja-JP" altLang="en-US" smtClean="0"/>
+              <a:t>12</a:t>
+            </a:fld>
+            <a:endParaRPr kumimoji="1" lang="ja-JP" altLang="en-US"/>
+          </a:p>
+        </p:txBody>
+      </p:sp>
+    </p:spTree>
+    <p:extLst>
+      <p:ext uri="{BB962C8B-B14F-4D97-AF65-F5344CB8AC3E}">
+        <p14:creationId xmlns:p14="http://schemas.microsoft.com/office/powerpoint/2010/main" val="1141179863"/>
+      </p:ext>
+    </p:extLst>
+  </p:cSld>
+  <p:clrMapOvr>
+    <a:masterClrMapping/>
+  </p:clrMapOvr>
+</p:notes>
+</file>
+
 <file path=ppt/slideLayouts/slideLayout1.xml><?xml version="1.0" encoding="utf-8"?>
 <p:sldLayout xmlns:a="http://schemas.openxmlformats.org/drawingml/2006/main" xmlns:r="http://schemas.openxmlformats.org/officeDocument/2006/relationships" xmlns:p="http://schemas.openxmlformats.org/presentationml/2006/main" showMasterSp="0" type="title" preserve="1">
   <p:cSld name="タイトル スライド">
@@ -289,7 +1104,7 @@
             <a:fld id="{87DE6118-2437-4B30-8E3C-4D2BE6020583}" type="datetimeFigureOut">
               <a:rPr lang="en-US" dirty="0"/>
               <a:pPr/>
-              <a:t>9/8/16</a:t>
+              <a:t>9/12/16</a:t>
             </a:fld>
             <a:endParaRPr lang="en-US" dirty="0"/>
           </a:p>
@@ -647,7 +1462,7 @@
           <a:p>
             <a:fld id="{87DE6118-2437-4B30-8E3C-4D2BE6020583}" type="datetimeFigureOut">
               <a:rPr lang="en-US" dirty="0"/>
-              <a:t>9/8/16</a:t>
+              <a:t>9/12/16</a:t>
             </a:fld>
             <a:endParaRPr lang="en-US" dirty="0"/>
           </a:p>
@@ -854,7 +1669,7 @@
           <a:p>
             <a:fld id="{87DE6118-2437-4B30-8E3C-4D2BE6020583}" type="datetimeFigureOut">
               <a:rPr lang="en-US" dirty="0"/>
-              <a:t>9/8/16</a:t>
+              <a:t>9/12/16</a:t>
             </a:fld>
             <a:endParaRPr lang="en-US" dirty="0"/>
           </a:p>
@@ -1051,7 +1866,7 @@
           <a:p>
             <a:fld id="{87DE6118-2437-4B30-8E3C-4D2BE6020583}" type="datetimeFigureOut">
               <a:rPr lang="en-US" dirty="0"/>
-              <a:t>9/8/16</a:t>
+              <a:t>9/12/16</a:t>
             </a:fld>
             <a:endParaRPr lang="en-US" dirty="0"/>
           </a:p>
@@ -1324,7 +2139,7 @@
             <a:fld id="{87DE6118-2437-4B30-8E3C-4D2BE6020583}" type="datetimeFigureOut">
               <a:rPr lang="en-US" dirty="0"/>
               <a:pPr/>
-              <a:t>9/8/16</a:t>
+              <a:t>9/12/16</a:t>
             </a:fld>
             <a:endParaRPr lang="en-US" dirty="0"/>
           </a:p>
@@ -1778,7 +2593,7 @@
           <a:p>
             <a:fld id="{87DE6118-2437-4B30-8E3C-4D2BE6020583}" type="datetimeFigureOut">
               <a:rPr lang="en-US" dirty="0"/>
-              <a:t>9/8/16</a:t>
+              <a:t>9/12/16</a:t>
             </a:fld>
             <a:endParaRPr lang="en-US" dirty="0"/>
           </a:p>
@@ -2314,7 +3129,7 @@
           <a:p>
             <a:fld id="{87DE6118-2437-4B30-8E3C-4D2BE6020583}" type="datetimeFigureOut">
               <a:rPr lang="en-US" dirty="0"/>
-              <a:t>9/8/16</a:t>
+              <a:t>9/12/16</a:t>
             </a:fld>
             <a:endParaRPr lang="en-US" dirty="0"/>
           </a:p>
@@ -2427,7 +3242,7 @@
           <a:p>
             <a:fld id="{87DE6118-2437-4B30-8E3C-4D2BE6020583}" type="datetimeFigureOut">
               <a:rPr lang="en-US" dirty="0"/>
-              <a:t>9/8/16</a:t>
+              <a:t>9/12/16</a:t>
             </a:fld>
             <a:endParaRPr lang="en-US" dirty="0"/>
           </a:p>
@@ -2517,7 +3332,7 @@
           <a:p>
             <a:fld id="{87DE6118-2437-4B30-8E3C-4D2BE6020583}" type="datetimeFigureOut">
               <a:rPr lang="en-US" dirty="0"/>
-              <a:t>9/8/16</a:t>
+              <a:t>9/12/16</a:t>
             </a:fld>
             <a:endParaRPr lang="en-US" dirty="0"/>
           </a:p>
@@ -2891,7 +3706,7 @@
             <a:fld id="{87DE6118-2437-4B30-8E3C-4D2BE6020583}" type="datetimeFigureOut">
               <a:rPr lang="en-US" dirty="0"/>
               <a:pPr/>
-              <a:t>9/8/16</a:t>
+              <a:t>9/12/16</a:t>
             </a:fld>
             <a:endParaRPr lang="en-US" dirty="0"/>
           </a:p>
@@ -3276,7 +4091,7 @@
             <a:fld id="{87DE6118-2437-4B30-8E3C-4D2BE6020583}" type="datetimeFigureOut">
               <a:rPr lang="en-US" dirty="0"/>
               <a:pPr/>
-              <a:t>9/8/16</a:t>
+              <a:t>9/12/16</a:t>
             </a:fld>
             <a:endParaRPr lang="en-US" dirty="0"/>
           </a:p>
@@ -3583,7 +4398,7 @@
             <a:fld id="{87DE6118-2437-4B30-8E3C-4D2BE6020583}" type="datetimeFigureOut">
               <a:rPr lang="en-US" dirty="0"/>
               <a:pPr/>
-              <a:t>9/8/16</a:t>
+              <a:t>9/12/16</a:t>
             </a:fld>
             <a:endParaRPr lang="en-US" dirty="0"/>
           </a:p>
@@ -4167,6 +4982,759 @@
 </p:sld>
 </file>
 
+<file path=ppt/slides/slide10.xml><?xml version="1.0" encoding="utf-8"?>
+<p:sld xmlns:a="http://schemas.openxmlformats.org/drawingml/2006/main" xmlns:r="http://schemas.openxmlformats.org/officeDocument/2006/relationships" xmlns:p="http://schemas.openxmlformats.org/presentationml/2006/main">
+  <p:cSld>
+    <p:spTree>
+      <p:nvGrpSpPr>
+        <p:cNvPr id="1" name=""/>
+        <p:cNvGrpSpPr/>
+        <p:nvPr/>
+      </p:nvGrpSpPr>
+      <p:grpSpPr>
+        <a:xfrm>
+          <a:off x="0" y="0"/>
+          <a:ext cx="0" cy="0"/>
+          <a:chOff x="0" y="0"/>
+          <a:chExt cx="0" cy="0"/>
+        </a:xfrm>
+      </p:grpSpPr>
+      <p:sp>
+        <p:nvSpPr>
+          <p:cNvPr id="2" name="タイトル 1"/>
+          <p:cNvSpPr>
+            <a:spLocks noGrp="1"/>
+          </p:cNvSpPr>
+          <p:nvPr>
+            <p:ph type="title"/>
+          </p:nvPr>
+        </p:nvSpPr>
+        <p:spPr>
+          <a:xfrm>
+            <a:off x="1371600" y="685800"/>
+            <a:ext cx="9601200" cy="824023"/>
+          </a:xfrm>
+        </p:spPr>
+        <p:txBody>
+          <a:bodyPr/>
+          <a:lstStyle/>
+          <a:p>
+            <a:r>
+              <a:rPr kumimoji="1" lang="ja-JP" altLang="en-US" dirty="0" smtClean="0"/>
+              <a:t>ということで、何ができるか？</a:t>
+            </a:r>
+            <a:endParaRPr kumimoji="1" lang="ja-JP" altLang="en-US" dirty="0"/>
+          </a:p>
+        </p:txBody>
+      </p:sp>
+      <p:sp>
+        <p:nvSpPr>
+          <p:cNvPr id="3" name="コンテンツ プレースホルダー 2"/>
+          <p:cNvSpPr>
+            <a:spLocks noGrp="1"/>
+          </p:cNvSpPr>
+          <p:nvPr>
+            <p:ph idx="1"/>
+          </p:nvPr>
+        </p:nvSpPr>
+        <p:spPr>
+          <a:xfrm>
+            <a:off x="1371599" y="1871329"/>
+            <a:ext cx="9920177" cy="4348717"/>
+          </a:xfrm>
+        </p:spPr>
+        <p:txBody>
+          <a:bodyPr/>
+          <a:lstStyle/>
+          <a:p>
+            <a:pPr>
+              <a:lnSpc>
+                <a:spcPct val="150000"/>
+              </a:lnSpc>
+            </a:pPr>
+            <a:r>
+              <a:rPr lang="en-US" altLang="ja-JP" dirty="0" err="1" smtClean="0"/>
+              <a:t>DOFade</a:t>
+            </a:r>
+            <a:r>
+              <a:rPr lang="en-US" altLang="ja-JP" dirty="0" smtClean="0"/>
+              <a:t>( float to , float duration)</a:t>
+            </a:r>
+            <a:br>
+              <a:rPr lang="en-US" altLang="ja-JP" dirty="0" smtClean="0"/>
+            </a:br>
+            <a:r>
+              <a:rPr lang="ja-JP" altLang="en-US" dirty="0" smtClean="0"/>
+              <a:t>指定の値</a:t>
+            </a:r>
+            <a:r>
+              <a:rPr lang="en-US" altLang="ja-JP" dirty="0" smtClean="0"/>
+              <a:t>(0f~1f)</a:t>
+            </a:r>
+            <a:r>
+              <a:rPr lang="ja-JP" altLang="en-US" dirty="0" smtClean="0"/>
+              <a:t>へ</a:t>
+            </a:r>
+            <a:r>
+              <a:rPr lang="en-US" altLang="ja-JP" dirty="0" smtClean="0"/>
+              <a:t>duration</a:t>
+            </a:r>
+            <a:r>
+              <a:rPr lang="ja-JP" altLang="en-US" dirty="0" smtClean="0"/>
+              <a:t>秒かけて</a:t>
+            </a:r>
+            <a:r>
+              <a:rPr lang="en-US" altLang="ja-JP" dirty="0" smtClean="0"/>
+              <a:t>Fade</a:t>
+            </a:r>
+            <a:r>
+              <a:rPr lang="ja-JP" altLang="en-US" dirty="0" smtClean="0"/>
+              <a:t>させる</a:t>
+            </a:r>
+            <a:endParaRPr kumimoji="1" lang="ja-JP" altLang="en-US" dirty="0"/>
+          </a:p>
+        </p:txBody>
+      </p:sp>
+      <p:pic>
+        <p:nvPicPr>
+          <p:cNvPr id="4" name="DoFade">
+            <a:hlinkClick r:id="" action="ppaction://media"/>
+          </p:cNvPr>
+          <p:cNvPicPr>
+            <a:picLocks noChangeAspect="1"/>
+          </p:cNvPicPr>
+          <p:nvPr>
+            <a:videoFile r:link="rId2"/>
+            <p:extLst>
+              <p:ext uri="{DAA4B4D4-6D71-4841-9C94-3DE7FCFB9230}">
+                <p14:media xmlns:p14="http://schemas.microsoft.com/office/powerpoint/2010/main" r:embed="rId1"/>
+              </p:ext>
+            </p:extLst>
+          </p:nvPr>
+        </p:nvPicPr>
+        <p:blipFill>
+          <a:blip r:embed="rId5"/>
+          <a:stretch>
+            <a:fillRect/>
+          </a:stretch>
+        </p:blipFill>
+        <p:spPr>
+          <a:xfrm>
+            <a:off x="2945473" y="2981552"/>
+            <a:ext cx="6453453" cy="3600000"/>
+          </a:xfrm>
+          <a:prstGeom prst="rect">
+            <a:avLst/>
+          </a:prstGeom>
+        </p:spPr>
+      </p:pic>
+    </p:spTree>
+    <p:extLst>
+      <p:ext uri="{BB962C8B-B14F-4D97-AF65-F5344CB8AC3E}">
+        <p14:creationId xmlns:p14="http://schemas.microsoft.com/office/powerpoint/2010/main" val="1120399483"/>
+      </p:ext>
+    </p:extLst>
+  </p:cSld>
+  <p:clrMapOvr>
+    <a:masterClrMapping/>
+  </p:clrMapOvr>
+  <p:timing>
+    <p:tnLst>
+      <p:par>
+        <p:cTn id="1" dur="indefinite" restart="never" nodeType="tmRoot">
+          <p:childTnLst>
+            <p:seq concurrent="1" nextAc="seek">
+              <p:cTn id="2" restart="whenNotActive" fill="hold" evtFilter="cancelBubble" nodeType="interactiveSeq">
+                <p:stCondLst>
+                  <p:cond evt="onClick" delay="0">
+                    <p:tgtEl>
+                      <p:spTgt spid="4"/>
+                    </p:tgtEl>
+                  </p:cond>
+                </p:stCondLst>
+                <p:endSync evt="end" delay="0">
+                  <p:rtn val="all"/>
+                </p:endSync>
+                <p:childTnLst>
+                  <p:par>
+                    <p:cTn id="3" fill="hold">
+                      <p:stCondLst>
+                        <p:cond delay="0"/>
+                      </p:stCondLst>
+                      <p:childTnLst>
+                        <p:par>
+                          <p:cTn id="4" fill="hold">
+                            <p:stCondLst>
+                              <p:cond delay="0"/>
+                            </p:stCondLst>
+                            <p:childTnLst>
+                              <p:par>
+                                <p:cTn id="5" presetID="2" presetClass="mediacall" presetSubtype="0" fill="hold" nodeType="clickEffect">
+                                  <p:stCondLst>
+                                    <p:cond delay="0"/>
+                                  </p:stCondLst>
+                                  <p:childTnLst>
+                                    <p:cmd type="call" cmd="togglePause">
+                                      <p:cBhvr>
+                                        <p:cTn id="6" dur="1" fill="hold"/>
+                                        <p:tgtEl>
+                                          <p:spTgt spid="4"/>
+                                        </p:tgtEl>
+                                      </p:cBhvr>
+                                    </p:cmd>
+                                  </p:childTnLst>
+                                </p:cTn>
+                              </p:par>
+                            </p:childTnLst>
+                          </p:cTn>
+                        </p:par>
+                      </p:childTnLst>
+                    </p:cTn>
+                  </p:par>
+                </p:childTnLst>
+              </p:cTn>
+              <p:nextCondLst>
+                <p:cond evt="onClick" delay="0">
+                  <p:tgtEl>
+                    <p:spTgt spid="4"/>
+                  </p:tgtEl>
+                </p:cond>
+              </p:nextCondLst>
+            </p:seq>
+            <p:video>
+              <p:cMediaNode vol="80000">
+                <p:cTn id="7" fill="hold" display="0">
+                  <p:stCondLst>
+                    <p:cond delay="indefinite"/>
+                  </p:stCondLst>
+                </p:cTn>
+                <p:tgtEl>
+                  <p:spTgt spid="4"/>
+                </p:tgtEl>
+              </p:cMediaNode>
+            </p:video>
+          </p:childTnLst>
+        </p:cTn>
+      </p:par>
+    </p:tnLst>
+  </p:timing>
+</p:sld>
+</file>
+
+<file path=ppt/slides/slide11.xml><?xml version="1.0" encoding="utf-8"?>
+<p:sld xmlns:a="http://schemas.openxmlformats.org/drawingml/2006/main" xmlns:r="http://schemas.openxmlformats.org/officeDocument/2006/relationships" xmlns:p="http://schemas.openxmlformats.org/presentationml/2006/main">
+  <p:cSld>
+    <p:spTree>
+      <p:nvGrpSpPr>
+        <p:cNvPr id="1" name=""/>
+        <p:cNvGrpSpPr/>
+        <p:nvPr/>
+      </p:nvGrpSpPr>
+      <p:grpSpPr>
+        <a:xfrm>
+          <a:off x="0" y="0"/>
+          <a:ext cx="0" cy="0"/>
+          <a:chOff x="0" y="0"/>
+          <a:chExt cx="0" cy="0"/>
+        </a:xfrm>
+      </p:grpSpPr>
+      <p:sp>
+        <p:nvSpPr>
+          <p:cNvPr id="2" name="タイトル 1"/>
+          <p:cNvSpPr>
+            <a:spLocks noGrp="1"/>
+          </p:cNvSpPr>
+          <p:nvPr>
+            <p:ph type="title"/>
+          </p:nvPr>
+        </p:nvSpPr>
+        <p:spPr>
+          <a:xfrm>
+            <a:off x="1371600" y="685800"/>
+            <a:ext cx="9601200" cy="824023"/>
+          </a:xfrm>
+        </p:spPr>
+        <p:txBody>
+          <a:bodyPr/>
+          <a:lstStyle/>
+          <a:p>
+            <a:r>
+              <a:rPr kumimoji="1" lang="ja-JP" altLang="en-US" dirty="0" smtClean="0"/>
+              <a:t>ということで、何ができるか？</a:t>
+            </a:r>
+            <a:endParaRPr kumimoji="1" lang="ja-JP" altLang="en-US" dirty="0"/>
+          </a:p>
+        </p:txBody>
+      </p:sp>
+      <p:sp>
+        <p:nvSpPr>
+          <p:cNvPr id="3" name="コンテンツ プレースホルダー 2"/>
+          <p:cNvSpPr>
+            <a:spLocks noGrp="1"/>
+          </p:cNvSpPr>
+          <p:nvPr>
+            <p:ph idx="1"/>
+          </p:nvPr>
+        </p:nvSpPr>
+        <p:spPr>
+          <a:xfrm>
+            <a:off x="1371599" y="1871329"/>
+            <a:ext cx="9920177" cy="4348717"/>
+          </a:xfrm>
+        </p:spPr>
+        <p:txBody>
+          <a:bodyPr/>
+          <a:lstStyle/>
+          <a:p>
+            <a:pPr>
+              <a:lnSpc>
+                <a:spcPct val="150000"/>
+              </a:lnSpc>
+            </a:pPr>
+            <a:r>
+              <a:rPr lang="en-US" altLang="ja-JP" dirty="0" err="1" smtClean="0"/>
+              <a:t>DOColor</a:t>
+            </a:r>
+            <a:r>
+              <a:rPr lang="en-US" altLang="ja-JP" dirty="0" smtClean="0"/>
+              <a:t>( Color to , float duration)</a:t>
+            </a:r>
+            <a:br>
+              <a:rPr lang="en-US" altLang="ja-JP" dirty="0" smtClean="0"/>
+            </a:br>
+            <a:r>
+              <a:rPr lang="ja-JP" altLang="en-US" dirty="0" smtClean="0"/>
+              <a:t>指定の色へ</a:t>
+            </a:r>
+            <a:r>
+              <a:rPr lang="en-US" altLang="ja-JP" dirty="0" smtClean="0"/>
+              <a:t>duration</a:t>
+            </a:r>
+            <a:r>
+              <a:rPr lang="ja-JP" altLang="en-US" dirty="0" smtClean="0"/>
+              <a:t>秒かけて色を変化させる</a:t>
+            </a:r>
+            <a:endParaRPr kumimoji="1" lang="ja-JP" altLang="en-US" dirty="0"/>
+          </a:p>
+        </p:txBody>
+      </p:sp>
+      <p:pic>
+        <p:nvPicPr>
+          <p:cNvPr id="6" name="DOColor">
+            <a:hlinkClick r:id="" action="ppaction://media"/>
+          </p:cNvPr>
+          <p:cNvPicPr>
+            <a:picLocks noChangeAspect="1"/>
+          </p:cNvPicPr>
+          <p:nvPr>
+            <a:videoFile r:link="rId2"/>
+            <p:extLst>
+              <p:ext uri="{DAA4B4D4-6D71-4841-9C94-3DE7FCFB9230}">
+                <p14:media xmlns:p14="http://schemas.microsoft.com/office/powerpoint/2010/main" r:embed="rId1"/>
+              </p:ext>
+            </p:extLst>
+          </p:nvPr>
+        </p:nvPicPr>
+        <p:blipFill>
+          <a:blip r:embed="rId5"/>
+          <a:stretch>
+            <a:fillRect/>
+          </a:stretch>
+        </p:blipFill>
+        <p:spPr>
+          <a:xfrm>
+            <a:off x="2960273" y="2981552"/>
+            <a:ext cx="6423854" cy="3600000"/>
+          </a:xfrm>
+          <a:prstGeom prst="rect">
+            <a:avLst/>
+          </a:prstGeom>
+        </p:spPr>
+      </p:pic>
+    </p:spTree>
+    <p:extLst>
+      <p:ext uri="{BB962C8B-B14F-4D97-AF65-F5344CB8AC3E}">
+        <p14:creationId xmlns:p14="http://schemas.microsoft.com/office/powerpoint/2010/main" val="742551772"/>
+      </p:ext>
+    </p:extLst>
+  </p:cSld>
+  <p:clrMapOvr>
+    <a:masterClrMapping/>
+  </p:clrMapOvr>
+  <p:timing>
+    <p:tnLst>
+      <p:par>
+        <p:cTn id="1" dur="indefinite" restart="never" nodeType="tmRoot">
+          <p:childTnLst>
+            <p:seq concurrent="1" nextAc="seek">
+              <p:cTn id="2" restart="whenNotActive" fill="hold" evtFilter="cancelBubble" nodeType="interactiveSeq">
+                <p:stCondLst>
+                  <p:cond evt="onClick" delay="0">
+                    <p:tgtEl>
+                      <p:spTgt spid="6"/>
+                    </p:tgtEl>
+                  </p:cond>
+                </p:stCondLst>
+                <p:endSync evt="end" delay="0">
+                  <p:rtn val="all"/>
+                </p:endSync>
+                <p:childTnLst>
+                  <p:par>
+                    <p:cTn id="3" fill="hold">
+                      <p:stCondLst>
+                        <p:cond delay="0"/>
+                      </p:stCondLst>
+                      <p:childTnLst>
+                        <p:par>
+                          <p:cTn id="4" fill="hold">
+                            <p:stCondLst>
+                              <p:cond delay="0"/>
+                            </p:stCondLst>
+                            <p:childTnLst>
+                              <p:par>
+                                <p:cTn id="5" presetID="2" presetClass="mediacall" presetSubtype="0" fill="hold" nodeType="clickEffect">
+                                  <p:stCondLst>
+                                    <p:cond delay="0"/>
+                                  </p:stCondLst>
+                                  <p:childTnLst>
+                                    <p:cmd type="call" cmd="togglePause">
+                                      <p:cBhvr>
+                                        <p:cTn id="6" dur="1" fill="hold"/>
+                                        <p:tgtEl>
+                                          <p:spTgt spid="6"/>
+                                        </p:tgtEl>
+                                      </p:cBhvr>
+                                    </p:cmd>
+                                  </p:childTnLst>
+                                </p:cTn>
+                              </p:par>
+                            </p:childTnLst>
+                          </p:cTn>
+                        </p:par>
+                      </p:childTnLst>
+                    </p:cTn>
+                  </p:par>
+                </p:childTnLst>
+              </p:cTn>
+              <p:nextCondLst>
+                <p:cond evt="onClick" delay="0">
+                  <p:tgtEl>
+                    <p:spTgt spid="6"/>
+                  </p:tgtEl>
+                </p:cond>
+              </p:nextCondLst>
+            </p:seq>
+            <p:video>
+              <p:cMediaNode vol="80000">
+                <p:cTn id="7" fill="hold" display="0">
+                  <p:stCondLst>
+                    <p:cond delay="indefinite"/>
+                  </p:stCondLst>
+                </p:cTn>
+                <p:tgtEl>
+                  <p:spTgt spid="6"/>
+                </p:tgtEl>
+              </p:cMediaNode>
+            </p:video>
+          </p:childTnLst>
+        </p:cTn>
+      </p:par>
+    </p:tnLst>
+  </p:timing>
+</p:sld>
+</file>
+
+<file path=ppt/slides/slide12.xml><?xml version="1.0" encoding="utf-8"?>
+<p:sld xmlns:a="http://schemas.openxmlformats.org/drawingml/2006/main" xmlns:r="http://schemas.openxmlformats.org/officeDocument/2006/relationships" xmlns:p="http://schemas.openxmlformats.org/presentationml/2006/main">
+  <p:cSld>
+    <p:spTree>
+      <p:nvGrpSpPr>
+        <p:cNvPr id="1" name=""/>
+        <p:cNvGrpSpPr/>
+        <p:nvPr/>
+      </p:nvGrpSpPr>
+      <p:grpSpPr>
+        <a:xfrm>
+          <a:off x="0" y="0"/>
+          <a:ext cx="0" cy="0"/>
+          <a:chOff x="0" y="0"/>
+          <a:chExt cx="0" cy="0"/>
+        </a:xfrm>
+      </p:grpSpPr>
+      <p:sp>
+        <p:nvSpPr>
+          <p:cNvPr id="2" name="タイトル 1"/>
+          <p:cNvSpPr>
+            <a:spLocks noGrp="1"/>
+          </p:cNvSpPr>
+          <p:nvPr>
+            <p:ph type="title"/>
+          </p:nvPr>
+        </p:nvSpPr>
+        <p:spPr>
+          <a:xfrm>
+            <a:off x="1371600" y="685800"/>
+            <a:ext cx="9601200" cy="824023"/>
+          </a:xfrm>
+        </p:spPr>
+        <p:txBody>
+          <a:bodyPr/>
+          <a:lstStyle/>
+          <a:p>
+            <a:r>
+              <a:rPr kumimoji="1" lang="ja-JP" altLang="en-US" dirty="0" smtClean="0"/>
+              <a:t>ということで、何ができるか？</a:t>
+            </a:r>
+            <a:endParaRPr kumimoji="1" lang="ja-JP" altLang="en-US" dirty="0"/>
+          </a:p>
+        </p:txBody>
+      </p:sp>
+      <p:sp>
+        <p:nvSpPr>
+          <p:cNvPr id="3" name="コンテンツ プレースホルダー 2"/>
+          <p:cNvSpPr>
+            <a:spLocks noGrp="1"/>
+          </p:cNvSpPr>
+          <p:nvPr>
+            <p:ph idx="1"/>
+          </p:nvPr>
+        </p:nvSpPr>
+        <p:spPr>
+          <a:xfrm>
+            <a:off x="1371599" y="1871329"/>
+            <a:ext cx="9920177" cy="4348717"/>
+          </a:xfrm>
+        </p:spPr>
+        <p:txBody>
+          <a:bodyPr/>
+          <a:lstStyle/>
+          <a:p>
+            <a:pPr>
+              <a:lnSpc>
+                <a:spcPct val="150000"/>
+              </a:lnSpc>
+            </a:pPr>
+            <a:r>
+              <a:rPr lang="en-US" altLang="ja-JP" dirty="0" err="1" smtClean="0"/>
+              <a:t>DOText</a:t>
+            </a:r>
+            <a:r>
+              <a:rPr lang="en-US" altLang="ja-JP" dirty="0" smtClean="0"/>
+              <a:t>( string to , float duration)</a:t>
+            </a:r>
+            <a:br>
+              <a:rPr lang="en-US" altLang="ja-JP" dirty="0" smtClean="0"/>
+            </a:br>
+            <a:r>
+              <a:rPr lang="ja-JP" altLang="en-US" dirty="0" smtClean="0"/>
+              <a:t>指定の文字列へ</a:t>
+            </a:r>
+            <a:r>
+              <a:rPr lang="en-US" altLang="ja-JP" dirty="0" smtClean="0"/>
+              <a:t>duration</a:t>
+            </a:r>
+            <a:r>
+              <a:rPr lang="ja-JP" altLang="en-US" dirty="0" smtClean="0"/>
+              <a:t>秒かけて変化させる</a:t>
+            </a:r>
+            <a:endParaRPr kumimoji="1" lang="ja-JP" altLang="en-US" dirty="0"/>
+          </a:p>
+        </p:txBody>
+      </p:sp>
+      <p:pic>
+        <p:nvPicPr>
+          <p:cNvPr id="4" name="DOText">
+            <a:hlinkClick r:id="" action="ppaction://media"/>
+          </p:cNvPr>
+          <p:cNvPicPr>
+            <a:picLocks noChangeAspect="1"/>
+          </p:cNvPicPr>
+          <p:nvPr>
+            <a:videoFile r:link="rId2"/>
+            <p:extLst>
+              <p:ext uri="{DAA4B4D4-6D71-4841-9C94-3DE7FCFB9230}">
+                <p14:media xmlns:p14="http://schemas.microsoft.com/office/powerpoint/2010/main" r:embed="rId1"/>
+              </p:ext>
+            </p:extLst>
+          </p:nvPr>
+        </p:nvPicPr>
+        <p:blipFill>
+          <a:blip r:embed="rId5"/>
+          <a:stretch>
+            <a:fillRect/>
+          </a:stretch>
+        </p:blipFill>
+        <p:spPr>
+          <a:xfrm>
+            <a:off x="2953766" y="2981552"/>
+            <a:ext cx="6436867" cy="3600000"/>
+          </a:xfrm>
+          <a:prstGeom prst="rect">
+            <a:avLst/>
+          </a:prstGeom>
+        </p:spPr>
+      </p:pic>
+    </p:spTree>
+    <p:extLst>
+      <p:ext uri="{BB962C8B-B14F-4D97-AF65-F5344CB8AC3E}">
+        <p14:creationId xmlns:p14="http://schemas.microsoft.com/office/powerpoint/2010/main" val="77242893"/>
+      </p:ext>
+    </p:extLst>
+  </p:cSld>
+  <p:clrMapOvr>
+    <a:masterClrMapping/>
+  </p:clrMapOvr>
+  <p:timing>
+    <p:tnLst>
+      <p:par>
+        <p:cTn id="1" dur="indefinite" restart="never" nodeType="tmRoot">
+          <p:childTnLst>
+            <p:seq concurrent="1" nextAc="seek">
+              <p:cTn id="2" restart="whenNotActive" fill="hold" evtFilter="cancelBubble" nodeType="interactiveSeq">
+                <p:stCondLst>
+                  <p:cond evt="onClick" delay="0">
+                    <p:tgtEl>
+                      <p:spTgt spid="4"/>
+                    </p:tgtEl>
+                  </p:cond>
+                </p:stCondLst>
+                <p:endSync evt="end" delay="0">
+                  <p:rtn val="all"/>
+                </p:endSync>
+                <p:childTnLst>
+                  <p:par>
+                    <p:cTn id="3" fill="hold">
+                      <p:stCondLst>
+                        <p:cond delay="0"/>
+                      </p:stCondLst>
+                      <p:childTnLst>
+                        <p:par>
+                          <p:cTn id="4" fill="hold">
+                            <p:stCondLst>
+                              <p:cond delay="0"/>
+                            </p:stCondLst>
+                            <p:childTnLst>
+                              <p:par>
+                                <p:cTn id="5" presetID="2" presetClass="mediacall" presetSubtype="0" fill="hold" nodeType="clickEffect">
+                                  <p:stCondLst>
+                                    <p:cond delay="0"/>
+                                  </p:stCondLst>
+                                  <p:childTnLst>
+                                    <p:cmd type="call" cmd="togglePause">
+                                      <p:cBhvr>
+                                        <p:cTn id="6" dur="1" fill="hold"/>
+                                        <p:tgtEl>
+                                          <p:spTgt spid="4"/>
+                                        </p:tgtEl>
+                                      </p:cBhvr>
+                                    </p:cmd>
+                                  </p:childTnLst>
+                                </p:cTn>
+                              </p:par>
+                            </p:childTnLst>
+                          </p:cTn>
+                        </p:par>
+                      </p:childTnLst>
+                    </p:cTn>
+                  </p:par>
+                </p:childTnLst>
+              </p:cTn>
+              <p:nextCondLst>
+                <p:cond evt="onClick" delay="0">
+                  <p:tgtEl>
+                    <p:spTgt spid="4"/>
+                  </p:tgtEl>
+                </p:cond>
+              </p:nextCondLst>
+            </p:seq>
+            <p:video>
+              <p:cMediaNode vol="80000">
+                <p:cTn id="7" fill="hold" display="0">
+                  <p:stCondLst>
+                    <p:cond delay="indefinite"/>
+                  </p:stCondLst>
+                </p:cTn>
+                <p:tgtEl>
+                  <p:spTgt spid="4"/>
+                </p:tgtEl>
+              </p:cMediaNode>
+            </p:video>
+          </p:childTnLst>
+        </p:cTn>
+      </p:par>
+    </p:tnLst>
+  </p:timing>
+</p:sld>
+</file>
+
+<file path=ppt/slides/slide13.xml><?xml version="1.0" encoding="utf-8"?>
+<p:sld xmlns:a="http://schemas.openxmlformats.org/drawingml/2006/main" xmlns:r="http://schemas.openxmlformats.org/officeDocument/2006/relationships" xmlns:p="http://schemas.openxmlformats.org/presentationml/2006/main">
+  <p:cSld>
+    <p:spTree>
+      <p:nvGrpSpPr>
+        <p:cNvPr id="1" name=""/>
+        <p:cNvGrpSpPr/>
+        <p:nvPr/>
+      </p:nvGrpSpPr>
+      <p:grpSpPr>
+        <a:xfrm>
+          <a:off x="0" y="0"/>
+          <a:ext cx="0" cy="0"/>
+          <a:chOff x="0" y="0"/>
+          <a:chExt cx="0" cy="0"/>
+        </a:xfrm>
+      </p:grpSpPr>
+      <p:sp>
+        <p:nvSpPr>
+          <p:cNvPr id="2" name="タイトル 1"/>
+          <p:cNvSpPr>
+            <a:spLocks noGrp="1"/>
+          </p:cNvSpPr>
+          <p:nvPr>
+            <p:ph type="title"/>
+          </p:nvPr>
+        </p:nvSpPr>
+        <p:spPr/>
+        <p:txBody>
+          <a:bodyPr/>
+          <a:lstStyle/>
+          <a:p>
+            <a:endParaRPr kumimoji="1" lang="ja-JP" altLang="en-US"/>
+          </a:p>
+        </p:txBody>
+      </p:sp>
+      <p:sp>
+        <p:nvSpPr>
+          <p:cNvPr id="3" name="コンテンツ プレースホルダー 2"/>
+          <p:cNvSpPr>
+            <a:spLocks noGrp="1"/>
+          </p:cNvSpPr>
+          <p:nvPr>
+            <p:ph idx="1"/>
+          </p:nvPr>
+        </p:nvSpPr>
+        <p:spPr/>
+        <p:txBody>
+          <a:bodyPr/>
+          <a:lstStyle/>
+          <a:p>
+            <a:endParaRPr kumimoji="1" lang="ja-JP" altLang="en-US"/>
+          </a:p>
+        </p:txBody>
+      </p:sp>
+    </p:spTree>
+    <p:extLst>
+      <p:ext uri="{BB962C8B-B14F-4D97-AF65-F5344CB8AC3E}">
+        <p14:creationId xmlns:p14="http://schemas.microsoft.com/office/powerpoint/2010/main" val="1331415212"/>
+      </p:ext>
+    </p:extLst>
+  </p:cSld>
+  <p:clrMapOvr>
+    <a:masterClrMapping/>
+  </p:clrMapOvr>
+</p:sld>
+</file>
+
 <file path=ppt/slides/slide2.xml><?xml version="1.0" encoding="utf-8"?>
 <p:sld xmlns:a="http://schemas.openxmlformats.org/drawingml/2006/main" xmlns:r="http://schemas.openxmlformats.org/officeDocument/2006/relationships" xmlns:p="http://schemas.openxmlformats.org/presentationml/2006/main">
   <p:cSld>
@@ -5437,15 +7005,67 @@
             <p:ph idx="1"/>
           </p:nvPr>
         </p:nvSpPr>
-        <p:spPr/>
+        <p:spPr>
+          <a:xfrm>
+            <a:off x="1371600" y="1658679"/>
+            <a:ext cx="9601200" cy="4208721"/>
+          </a:xfrm>
+        </p:spPr>
         <p:txBody>
           <a:bodyPr/>
           <a:lstStyle/>
           <a:p>
-            <a:endParaRPr kumimoji="1" lang="ja-JP" altLang="en-US"/>
-          </a:p>
-        </p:txBody>
-      </p:sp>
+            <a:pPr>
+              <a:lnSpc>
+                <a:spcPct val="150000"/>
+              </a:lnSpc>
+            </a:pPr>
+            <a:r>
+              <a:rPr lang="ja-JP" altLang="en-US" dirty="0" smtClean="0"/>
+              <a:t>基本的には他の</a:t>
+            </a:r>
+            <a:r>
+              <a:rPr lang="en-US" altLang="ja-JP" dirty="0" err="1" smtClean="0"/>
+              <a:t>UnityObject</a:t>
+            </a:r>
+            <a:r>
+              <a:rPr lang="ja-JP" altLang="en-US" dirty="0" smtClean="0"/>
+              <a:t>と同じ。</a:t>
+            </a:r>
+            <a:endParaRPr kumimoji="1" lang="ja-JP" altLang="en-US" dirty="0"/>
+          </a:p>
+        </p:txBody>
+      </p:sp>
+      <p:pic>
+        <p:nvPicPr>
+          <p:cNvPr id="5" name="図 4"/>
+          <p:cNvPicPr>
+            <a:picLocks noChangeAspect="1"/>
+          </p:cNvPicPr>
+          <p:nvPr/>
+        </p:nvPicPr>
+        <p:blipFill>
+          <a:blip r:embed="rId3">
+            <a:extLst>
+              <a:ext uri="{28A0092B-C50C-407E-A947-70E740481C1C}">
+                <a14:useLocalDpi xmlns:a14="http://schemas.microsoft.com/office/drawing/2010/main" val="0"/>
+              </a:ext>
+            </a:extLst>
+          </a:blip>
+          <a:stretch>
+            <a:fillRect/>
+          </a:stretch>
+        </p:blipFill>
+        <p:spPr>
+          <a:xfrm>
+            <a:off x="2157523" y="2307855"/>
+            <a:ext cx="5636142" cy="2547295"/>
+          </a:xfrm>
+          <a:prstGeom prst="rect">
+            <a:avLst/>
+          </a:prstGeom>
+        </p:spPr>
+      </p:pic>
     </p:spTree>
     <p:extLst>
       <p:ext uri="{BB962C8B-B14F-4D97-AF65-F5344CB8AC3E}">
@@ -5456,6 +7076,228 @@
   <p:clrMapOvr>
     <a:masterClrMapping/>
   </p:clrMapOvr>
+</p:sld>
+</file>
+
+<file path=ppt/slides/slide9.xml><?xml version="1.0" encoding="utf-8"?>
+<p:sld xmlns:a="http://schemas.openxmlformats.org/drawingml/2006/main" xmlns:r="http://schemas.openxmlformats.org/officeDocument/2006/relationships" xmlns:p="http://schemas.openxmlformats.org/presentationml/2006/main">
+  <p:cSld>
+    <p:spTree>
+      <p:nvGrpSpPr>
+        <p:cNvPr id="1" name=""/>
+        <p:cNvGrpSpPr/>
+        <p:nvPr/>
+      </p:nvGrpSpPr>
+      <p:grpSpPr>
+        <a:xfrm>
+          <a:off x="0" y="0"/>
+          <a:ext cx="0" cy="0"/>
+          <a:chOff x="0" y="0"/>
+          <a:chExt cx="0" cy="0"/>
+        </a:xfrm>
+      </p:grpSpPr>
+      <p:sp>
+        <p:nvSpPr>
+          <p:cNvPr id="2" name="タイトル 1"/>
+          <p:cNvSpPr>
+            <a:spLocks noGrp="1"/>
+          </p:cNvSpPr>
+          <p:nvPr>
+            <p:ph type="title"/>
+          </p:nvPr>
+        </p:nvSpPr>
+        <p:spPr/>
+        <p:txBody>
+          <a:bodyPr/>
+          <a:lstStyle/>
+          <a:p>
+            <a:r>
+              <a:rPr lang="ja-JP" altLang="en-US" dirty="0" smtClean="0"/>
+              <a:t>せっかくなので</a:t>
+            </a:r>
+            <a:r>
+              <a:rPr lang="en-US" altLang="ja-JP" dirty="0" err="1" smtClean="0"/>
+              <a:t>DOTween</a:t>
+            </a:r>
+            <a:r>
+              <a:rPr lang="ja-JP" altLang="en-US" dirty="0" smtClean="0"/>
+              <a:t>と一緒に</a:t>
+            </a:r>
+            <a:endParaRPr kumimoji="1" lang="ja-JP" altLang="en-US" dirty="0"/>
+          </a:p>
+        </p:txBody>
+      </p:sp>
+      <p:sp>
+        <p:nvSpPr>
+          <p:cNvPr id="3" name="コンテンツ プレースホルダー 2"/>
+          <p:cNvSpPr>
+            <a:spLocks noGrp="1"/>
+          </p:cNvSpPr>
+          <p:nvPr>
+            <p:ph idx="1"/>
+          </p:nvPr>
+        </p:nvSpPr>
+        <p:spPr>
+          <a:xfrm>
+            <a:off x="1371600" y="1807535"/>
+            <a:ext cx="9601200" cy="4710223"/>
+          </a:xfrm>
+        </p:spPr>
+        <p:txBody>
+          <a:bodyPr/>
+          <a:lstStyle/>
+          <a:p>
+            <a:pPr>
+              <a:lnSpc>
+                <a:spcPct val="150000"/>
+              </a:lnSpc>
+            </a:pPr>
+            <a:r>
+              <a:rPr lang="en-US" altLang="ja-JP" dirty="0" err="1" smtClean="0"/>
+              <a:t>DOTween</a:t>
+            </a:r>
+            <a:r>
+              <a:rPr lang="ja-JP" altLang="en-US" dirty="0" smtClean="0"/>
+              <a:t>の拡張メソッドの中に</a:t>
+            </a:r>
+            <a:r>
+              <a:rPr lang="en-US" altLang="ja-JP" dirty="0" err="1" smtClean="0"/>
+              <a:t>TextMeshPro</a:t>
+            </a:r>
+            <a:r>
+              <a:rPr lang="ja-JP" altLang="en-US" dirty="0" smtClean="0"/>
+              <a:t>もあり、</a:t>
+            </a:r>
+            <a:r>
+              <a:rPr lang="en-US" altLang="ja-JP" dirty="0" smtClean="0"/>
+              <a:t/>
+            </a:r>
+            <a:br>
+              <a:rPr lang="en-US" altLang="ja-JP" dirty="0" smtClean="0"/>
+            </a:br>
+            <a:r>
+              <a:rPr lang="en-US" altLang="ja-JP" dirty="0" err="1" smtClean="0"/>
+              <a:t>TextMeshProUGUI</a:t>
+            </a:r>
+            <a:r>
+              <a:rPr lang="ja-JP" altLang="en-US" dirty="0" smtClean="0"/>
+              <a:t>オブジェクトの関数に</a:t>
+            </a:r>
+            <a:r>
+              <a:rPr lang="en-US" altLang="ja-JP" dirty="0" smtClean="0"/>
+              <a:t>DO~</a:t>
+            </a:r>
+            <a:r>
+              <a:rPr lang="ja-JP" altLang="en-US" dirty="0" smtClean="0"/>
+              <a:t>という関数がある。</a:t>
+            </a:r>
+            <a:endParaRPr lang="en-US" altLang="ja-JP" dirty="0" smtClean="0"/>
+          </a:p>
+          <a:p>
+            <a:pPr>
+              <a:lnSpc>
+                <a:spcPct val="150000"/>
+              </a:lnSpc>
+            </a:pPr>
+            <a:r>
+              <a:rPr lang="ja-JP" altLang="en-US" dirty="0" smtClean="0"/>
+              <a:t>正直</a:t>
+            </a:r>
+            <a:r>
+              <a:rPr lang="en-US" altLang="ja-JP" dirty="0" err="1" smtClean="0"/>
+              <a:t>TextMeshProUGUI</a:t>
+            </a:r>
+            <a:r>
+              <a:rPr lang="ja-JP" altLang="en-US" dirty="0" smtClean="0"/>
+              <a:t>は、あくまでテキストなので、</a:t>
+            </a:r>
+            <a:r>
+              <a:rPr lang="en-US" altLang="ja-JP" dirty="0" smtClean="0"/>
+              <a:t/>
+            </a:r>
+            <a:br>
+              <a:rPr lang="en-US" altLang="ja-JP" dirty="0" smtClean="0"/>
+            </a:br>
+            <a:r>
+              <a:rPr lang="ja-JP" altLang="en-US" dirty="0" smtClean="0"/>
+              <a:t>スクリプトでなにかをするということが少ない。</a:t>
+            </a:r>
+            <a:r>
+              <a:rPr lang="en-US" altLang="ja-JP" dirty="0"/>
+              <a:t/>
+            </a:r>
+            <a:br>
+              <a:rPr lang="en-US" altLang="ja-JP" dirty="0"/>
+            </a:br>
+            <a:r>
+              <a:rPr lang="en-US" altLang="ja-JP" dirty="0" smtClean="0"/>
+              <a:t/>
+            </a:r>
+            <a:br>
+              <a:rPr lang="en-US" altLang="ja-JP" dirty="0" smtClean="0"/>
+            </a:br>
+            <a:r>
+              <a:rPr lang="ja-JP" altLang="en-US" dirty="0" smtClean="0"/>
+              <a:t>その点</a:t>
+            </a:r>
+            <a:r>
+              <a:rPr lang="en-US" altLang="ja-JP" dirty="0" err="1" smtClean="0"/>
+              <a:t>DOTween</a:t>
+            </a:r>
+            <a:r>
+              <a:rPr lang="ja-JP" altLang="en-US" dirty="0" smtClean="0"/>
+              <a:t>の拡張メソッドを見てみると、</a:t>
+            </a:r>
+            <a:r>
+              <a:rPr lang="en-US" altLang="ja-JP" dirty="0"/>
+              <a:t/>
+            </a:r>
+            <a:br>
+              <a:rPr lang="en-US" altLang="ja-JP" dirty="0"/>
+            </a:br>
+            <a:r>
+              <a:rPr lang="ja-JP" altLang="en-US" dirty="0" smtClean="0"/>
+              <a:t>いろいろなアニメーションをできるようになっている。</a:t>
+            </a:r>
+            <a:r>
+              <a:rPr lang="en-US" altLang="ja-JP" dirty="0" smtClean="0"/>
+              <a:t/>
+            </a:r>
+            <a:br>
+              <a:rPr lang="en-US" altLang="ja-JP" dirty="0" smtClean="0"/>
+            </a:br>
+            <a:r>
+              <a:rPr lang="en-US" altLang="ja-JP" dirty="0" smtClean="0"/>
+              <a:t/>
+            </a:r>
+            <a:br>
+              <a:rPr lang="en-US" altLang="ja-JP" dirty="0" smtClean="0"/>
+            </a:br>
+            <a:r>
+              <a:rPr lang="ja-JP" altLang="en-US" dirty="0" smtClean="0"/>
+              <a:t>（前回説明できなかったものも含めて説明します。）</a:t>
+            </a:r>
+            <a:endParaRPr lang="en-US" altLang="ja-JP" dirty="0" smtClean="0"/>
+          </a:p>
+        </p:txBody>
+      </p:sp>
+    </p:spTree>
+    <p:extLst>
+      <p:ext uri="{BB962C8B-B14F-4D97-AF65-F5344CB8AC3E}">
+        <p14:creationId xmlns:p14="http://schemas.microsoft.com/office/powerpoint/2010/main" val="59990046"/>
+      </p:ext>
+    </p:extLst>
+  </p:cSld>
+  <p:clrMapOvr>
+    <a:masterClrMapping/>
+  </p:clrMapOvr>
+  <p:timing>
+    <p:tnLst>
+      <p:par>
+        <p:cTn id="1" dur="indefinite" restart="never" nodeType="tmRoot"/>
+      </p:par>
+    </p:tnLst>
+  </p:timing>
 </p:sld>
 </file>
 
@@ -5655,4 +7497,265 @@
     </a:ext>
   </a:extLst>
 </a:theme>
+</file>
+
+<file path=ppt/theme/theme2.xml><?xml version="1.0" encoding="utf-8"?>
+<a:theme xmlns:a="http://schemas.openxmlformats.org/drawingml/2006/main" name="ホワイト">
+  <a:themeElements>
+    <a:clrScheme name="Office">
+      <a:dk1>
+        <a:sysClr val="windowText" lastClr="000000"/>
+      </a:dk1>
+      <a:lt1>
+        <a:sysClr val="window" lastClr="FFFFFF"/>
+      </a:lt1>
+      <a:dk2>
+        <a:srgbClr val="44546A"/>
+      </a:dk2>
+      <a:lt2>
+        <a:srgbClr val="E7E6E6"/>
+      </a:lt2>
+      <a:accent1>
+        <a:srgbClr val="5B9BD5"/>
+      </a:accent1>
+      <a:accent2>
+        <a:srgbClr val="ED7D31"/>
+      </a:accent2>
+      <a:accent3>
+        <a:srgbClr val="A5A5A5"/>
+      </a:accent3>
+      <a:accent4>
+        <a:srgbClr val="FFC000"/>
+      </a:accent4>
+      <a:accent5>
+        <a:srgbClr val="4472C4"/>
+      </a:accent5>
+      <a:accent6>
+        <a:srgbClr val="70AD47"/>
+      </a:accent6>
+      <a:hlink>
+        <a:srgbClr val="0563C1"/>
+      </a:hlink>
+      <a:folHlink>
+        <a:srgbClr val="954F72"/>
+      </a:folHlink>
+    </a:clrScheme>
+    <a:fontScheme name="Office">
+      <a:majorFont>
+        <a:latin typeface="Yu Gothic Light" panose="020F0302020204030204"/>
+        <a:ea typeface=""/>
+        <a:cs typeface=""/>
+        <a:font script="Jpan" typeface="Yu Gothic Light"/>
+        <a:font script="Hang" typeface="맑은 고딕"/>
+        <a:font script="Hans" typeface="DengXian Light"/>
+        <a:font script="Hant" typeface="新細明體"/>
+        <a:font script="Arab" typeface="Times New Roman"/>
+        <a:font script="Hebr" typeface="Times New Roman"/>
+        <a:font script="Thai" typeface="Angsana New"/>
+        <a:font script="Ethi" typeface="Nyala"/>
+        <a:font script="Beng" typeface="Vrinda"/>
+        <a:font script="Gujr" typeface="Shruti"/>
+        <a:font script="Khmr" typeface="MoolBoran"/>
+        <a:font script="Knda" typeface="Tunga"/>
+        <a:font script="Guru" typeface="Raavi"/>
+        <a:font script="Cans" typeface="Euphemia"/>
+        <a:font script="Cher" typeface="Plantagenet Cherokee"/>
+        <a:font script="Yiii" typeface="Microsoft Yi Baiti"/>
+        <a:font script="Tibt" typeface="Microsoft Himalaya"/>
+        <a:font script="Thaa" typeface="MV Boli"/>
+        <a:font script="Deva" typeface="Mangal"/>
+        <a:font script="Telu" typeface="Gautami"/>
+        <a:font script="Taml" typeface="Latha"/>
+        <a:font script="Syrc" typeface="Estrangelo Edessa"/>
+        <a:font script="Orya" typeface="Kalinga"/>
+        <a:font script="Mlym" typeface="Kartika"/>
+        <a:font script="Laoo" typeface="DokChampa"/>
+        <a:font script="Sinh" typeface="Iskoola Pota"/>
+        <a:font script="Mong" typeface="Mongolian Baiti"/>
+        <a:font script="Viet" typeface="Times New Roman"/>
+        <a:font script="Uigh" typeface="Microsoft Uighur"/>
+        <a:font script="Geor" typeface="Sylfaen"/>
+      </a:majorFont>
+      <a:minorFont>
+        <a:latin typeface="Yu Gothic" panose="020F0502020204030204"/>
+        <a:ea typeface=""/>
+        <a:cs typeface=""/>
+        <a:font script="Jpan" typeface="Yu Gothic"/>
+        <a:font script="Hang" typeface="맑은 고딕"/>
+        <a:font script="Hans" typeface="DengXian"/>
+        <a:font script="Hant" typeface="新細明體"/>
+        <a:font script="Arab" typeface="Arial"/>
+        <a:font script="Hebr" typeface="Arial"/>
+        <a:font script="Thai" typeface="Cordia New"/>
+        <a:font script="Ethi" typeface="Nyala"/>
+        <a:font script="Beng" typeface="Vrinda"/>
+        <a:font script="Gujr" typeface="Shruti"/>
+        <a:font script="Khmr" typeface="DaunPenh"/>
+        <a:font script="Knda" typeface="Tunga"/>
+        <a:font script="Guru" typeface="Raavi"/>
+        <a:font script="Cans" typeface="Euphemia"/>
+        <a:font script="Cher" typeface="Plantagenet Cherokee"/>
+        <a:font script="Yiii" typeface="Microsoft Yi Baiti"/>
+        <a:font script="Tibt" typeface="Microsoft Himalaya"/>
+        <a:font script="Thaa" typeface="MV Boli"/>
+        <a:font script="Deva" typeface="Mangal"/>
+        <a:font script="Telu" typeface="Gautami"/>
+        <a:font script="Taml" typeface="Latha"/>
+        <a:font script="Syrc" typeface="Estrangelo Edessa"/>
+        <a:font script="Orya" typeface="Kalinga"/>
+        <a:font script="Mlym" typeface="Kartika"/>
+        <a:font script="Laoo" typeface="DokChampa"/>
+        <a:font script="Sinh" typeface="Iskoola Pota"/>
+        <a:font script="Mong" typeface="Mongolian Baiti"/>
+        <a:font script="Viet" typeface="Arial"/>
+        <a:font script="Uigh" typeface="Microsoft Uighur"/>
+        <a:font script="Geor" typeface="Sylfaen"/>
+      </a:minorFont>
+    </a:fontScheme>
+    <a:fmtScheme name="Office">
+      <a:fillStyleLst>
+        <a:solidFill>
+          <a:schemeClr val="phClr"/>
+        </a:solidFill>
+        <a:gradFill rotWithShape="1">
+          <a:gsLst>
+            <a:gs pos="0">
+              <a:schemeClr val="phClr">
+                <a:lumMod val="110000"/>
+                <a:satMod val="105000"/>
+                <a:tint val="67000"/>
+              </a:schemeClr>
+            </a:gs>
+            <a:gs pos="50000">
+              <a:schemeClr val="phClr">
+                <a:lumMod val="105000"/>
+                <a:satMod val="103000"/>
+                <a:tint val="73000"/>
+              </a:schemeClr>
+            </a:gs>
+            <a:gs pos="100000">
+              <a:schemeClr val="phClr">
+                <a:lumMod val="105000"/>
+                <a:satMod val="109000"/>
+                <a:tint val="81000"/>
+              </a:schemeClr>
+            </a:gs>
+          </a:gsLst>
+          <a:lin ang="5400000" scaled="0"/>
+        </a:gradFill>
+        <a:gradFill rotWithShape="1">
+          <a:gsLst>
+            <a:gs pos="0">
+              <a:schemeClr val="phClr">
+                <a:satMod val="103000"/>
+                <a:lumMod val="102000"/>
+                <a:tint val="94000"/>
+              </a:schemeClr>
+            </a:gs>
+            <a:gs pos="50000">
+              <a:schemeClr val="phClr">
+                <a:satMod val="110000"/>
+                <a:lumMod val="100000"/>
+                <a:shade val="100000"/>
+              </a:schemeClr>
+            </a:gs>
+            <a:gs pos="100000">
+              <a:schemeClr val="phClr">
+                <a:lumMod val="99000"/>
+                <a:satMod val="120000"/>
+                <a:shade val="78000"/>
+              </a:schemeClr>
+            </a:gs>
+          </a:gsLst>
+          <a:lin ang="5400000" scaled="0"/>
+        </a:gradFill>
+      </a:fillStyleLst>
+      <a:lnStyleLst>
+        <a:ln w="6350" cap="flat" cmpd="sng" algn="ctr">
+          <a:solidFill>
+            <a:schemeClr val="phClr"/>
+          </a:solidFill>
+          <a:prstDash val="solid"/>
+          <a:miter lim="800000"/>
+        </a:ln>
+        <a:ln w="12700" cap="flat" cmpd="sng" algn="ctr">
+          <a:solidFill>
+            <a:schemeClr val="phClr"/>
+          </a:solidFill>
+          <a:prstDash val="solid"/>
+          <a:miter lim="800000"/>
+        </a:ln>
+        <a:ln w="19050" cap="flat" cmpd="sng" algn="ctr">
+          <a:solidFill>
+            <a:schemeClr val="phClr"/>
+          </a:solidFill>
+          <a:prstDash val="solid"/>
+          <a:miter lim="800000"/>
+        </a:ln>
+      </a:lnStyleLst>
+      <a:effectStyleLst>
+        <a:effectStyle>
+          <a:effectLst/>
+        </a:effectStyle>
+        <a:effectStyle>
+          <a:effectLst/>
+        </a:effectStyle>
+        <a:effectStyle>
+          <a:effectLst>
+            <a:outerShdw blurRad="57150" dist="19050" dir="5400000" algn="ctr" rotWithShape="0">
+              <a:srgbClr val="000000">
+                <a:alpha val="63000"/>
+              </a:srgbClr>
+            </a:outerShdw>
+          </a:effectLst>
+        </a:effectStyle>
+      </a:effectStyleLst>
+      <a:bgFillStyleLst>
+        <a:solidFill>
+          <a:schemeClr val="phClr"/>
+        </a:solidFill>
+        <a:solidFill>
+          <a:schemeClr val="phClr">
+            <a:tint val="95000"/>
+            <a:satMod val="170000"/>
+          </a:schemeClr>
+        </a:solidFill>
+        <a:gradFill rotWithShape="1">
+          <a:gsLst>
+            <a:gs pos="0">
+              <a:schemeClr val="phClr">
+                <a:tint val="93000"/>
+                <a:satMod val="150000"/>
+                <a:shade val="98000"/>
+                <a:lumMod val="102000"/>
+              </a:schemeClr>
+            </a:gs>
+            <a:gs pos="50000">
+              <a:schemeClr val="phClr">
+                <a:tint val="98000"/>
+                <a:satMod val="130000"/>
+                <a:shade val="90000"/>
+                <a:lumMod val="103000"/>
+              </a:schemeClr>
+            </a:gs>
+            <a:gs pos="100000">
+              <a:schemeClr val="phClr">
+                <a:shade val="63000"/>
+                <a:satMod val="120000"/>
+              </a:schemeClr>
+            </a:gs>
+          </a:gsLst>
+          <a:lin ang="5400000" scaled="0"/>
+        </a:gradFill>
+      </a:bgFillStyleLst>
+    </a:fmtScheme>
+  </a:themeElements>
+  <a:objectDefaults/>
+  <a:extraClrSchemeLst/>
+  <a:extLst>
+    <a:ext uri="{05A4C25C-085E-4340-85A3-A5531E510DB2}">
+      <thm15:themeFamily xmlns:thm15="http://schemas.microsoft.com/office/thememl/2012/main" name="Office Theme" id="{62F939B6-93AF-4DB8-9C6B-D6C7DFDC589F}" vid="{4A3C46E8-61CC-4603-A589-7422A47A8E4A}"/>
+    </a:ext>
+  </a:extLst>
+</a:theme>
 </file>
--- a/RHStudy/Documents/TextMeshPro_r-hatase.pptx
+++ b/RHStudy/Documents/TextMeshPro_r-hatase.pptx
@@ -5,7 +5,7 @@
     <p:sldMasterId id="2147483648" r:id="rId1"/>
   </p:sldMasterIdLst>
   <p:notesMasterIdLst>
-    <p:notesMasterId r:id="rId15"/>
+    <p:notesMasterId r:id="rId17"/>
   </p:notesMasterIdLst>
   <p:sldIdLst>
     <p:sldId id="256" r:id="rId2"/>
@@ -20,7 +20,9 @@
     <p:sldId id="265" r:id="rId11"/>
     <p:sldId id="267" r:id="rId12"/>
     <p:sldId id="268" r:id="rId13"/>
-    <p:sldId id="266" r:id="rId14"/>
+    <p:sldId id="269" r:id="rId14"/>
+    <p:sldId id="266" r:id="rId15"/>
+    <p:sldId id="270" r:id="rId16"/>
   </p:sldIdLst>
   <p:sldSz cx="12192000" cy="6858000"/>
   <p:notesSz cx="6858000" cy="9144000"/>
@@ -209,7 +211,7 @@
           <a:p>
             <a:fld id="{AE5BCC25-BABA-5C41-A713-7750B9061E50}" type="datetimeFigureOut">
               <a:rPr kumimoji="1" lang="ja-JP" altLang="en-US" smtClean="0"/>
-              <a:t>2016/9/12</a:t>
+              <a:t>2016/9/13</a:t>
             </a:fld>
             <a:endParaRPr kumimoji="1" lang="ja-JP" altLang="en-US"/>
           </a:p>
@@ -786,18 +788,6 @@
           <a:bodyPr/>
           <a:lstStyle/>
           <a:p>
-            <a:r>
-              <a:rPr kumimoji="1" lang="en-US" altLang="ja-JP" dirty="0" err="1" smtClean="0"/>
-              <a:t>DoLocalPositionMoveY</a:t>
-            </a:r>
-            <a:r>
-              <a:rPr kumimoji="1" lang="ja-JP" altLang="en-US" dirty="0" smtClean="0"/>
-              <a:t>と</a:t>
-            </a:r>
-            <a:r>
-              <a:rPr kumimoji="1" lang="en-US" altLang="ja-JP" dirty="0" err="1" smtClean="0"/>
-              <a:t>DoFadeq</a:t>
-            </a:r>
             <a:endParaRPr kumimoji="1" lang="ja-JP" altLang="en-US" dirty="0"/>
           </a:p>
         </p:txBody>
@@ -882,18 +872,6 @@
           <a:bodyPr/>
           <a:lstStyle/>
           <a:p>
-            <a:r>
-              <a:rPr kumimoji="1" lang="en-US" altLang="ja-JP" dirty="0" err="1" smtClean="0"/>
-              <a:t>DoLocalPositionMoveY</a:t>
-            </a:r>
-            <a:r>
-              <a:rPr kumimoji="1" lang="ja-JP" altLang="en-US" dirty="0" smtClean="0"/>
-              <a:t>と</a:t>
-            </a:r>
-            <a:r>
-              <a:rPr kumimoji="1" lang="en-US" altLang="ja-JP" dirty="0" err="1" smtClean="0"/>
-              <a:t>DoFadeq</a:t>
-            </a:r>
             <a:endParaRPr kumimoji="1" lang="ja-JP" altLang="en-US" dirty="0"/>
           </a:p>
         </p:txBody>
@@ -925,6 +903,274 @@
     <p:extLst>
       <p:ext uri="{BB962C8B-B14F-4D97-AF65-F5344CB8AC3E}">
         <p14:creationId xmlns:p14="http://schemas.microsoft.com/office/powerpoint/2010/main" val="1141179863"/>
+      </p:ext>
+    </p:extLst>
+  </p:cSld>
+  <p:clrMapOvr>
+    <a:masterClrMapping/>
+  </p:clrMapOvr>
+</p:notes>
+</file>
+
+<file path=ppt/notesSlides/notesSlide5.xml><?xml version="1.0" encoding="utf-8"?>
+<p:notes xmlns:a="http://schemas.openxmlformats.org/drawingml/2006/main" xmlns:r="http://schemas.openxmlformats.org/officeDocument/2006/relationships" xmlns:p="http://schemas.openxmlformats.org/presentationml/2006/main">
+  <p:cSld>
+    <p:spTree>
+      <p:nvGrpSpPr>
+        <p:cNvPr id="1" name=""/>
+        <p:cNvGrpSpPr/>
+        <p:nvPr/>
+      </p:nvGrpSpPr>
+      <p:grpSpPr>
+        <a:xfrm>
+          <a:off x="0" y="0"/>
+          <a:ext cx="0" cy="0"/>
+          <a:chOff x="0" y="0"/>
+          <a:chExt cx="0" cy="0"/>
+        </a:xfrm>
+      </p:grpSpPr>
+      <p:sp>
+        <p:nvSpPr>
+          <p:cNvPr id="2" name="スライド イメージ プレースホルダー 1"/>
+          <p:cNvSpPr>
+            <a:spLocks noGrp="1" noRot="1" noChangeAspect="1"/>
+          </p:cNvSpPr>
+          <p:nvPr>
+            <p:ph type="sldImg"/>
+          </p:nvPr>
+        </p:nvSpPr>
+        <p:spPr/>
+      </p:sp>
+      <p:sp>
+        <p:nvSpPr>
+          <p:cNvPr id="3" name="ノート プレースホルダー 2"/>
+          <p:cNvSpPr>
+            <a:spLocks noGrp="1"/>
+          </p:cNvSpPr>
+          <p:nvPr>
+            <p:ph type="body" idx="1"/>
+          </p:nvPr>
+        </p:nvSpPr>
+        <p:spPr/>
+        <p:txBody>
+          <a:bodyPr/>
+          <a:lstStyle/>
+          <a:p>
+            <a:endParaRPr kumimoji="1" lang="ja-JP" altLang="en-US" dirty="0"/>
+          </a:p>
+        </p:txBody>
+      </p:sp>
+      <p:sp>
+        <p:nvSpPr>
+          <p:cNvPr id="4" name="スライド番号プレースホルダー 3"/>
+          <p:cNvSpPr>
+            <a:spLocks noGrp="1"/>
+          </p:cNvSpPr>
+          <p:nvPr>
+            <p:ph type="sldNum" sz="quarter" idx="10"/>
+          </p:nvPr>
+        </p:nvSpPr>
+        <p:spPr/>
+        <p:txBody>
+          <a:bodyPr/>
+          <a:lstStyle/>
+          <a:p>
+            <a:fld id="{0EFBDEC2-BD9C-084B-A858-F7A39CFBF774}" type="slidenum">
+              <a:rPr kumimoji="1" lang="ja-JP" altLang="en-US" smtClean="0"/>
+              <a:t>13</a:t>
+            </a:fld>
+            <a:endParaRPr kumimoji="1" lang="ja-JP" altLang="en-US"/>
+          </a:p>
+        </p:txBody>
+      </p:sp>
+    </p:spTree>
+    <p:extLst>
+      <p:ext uri="{BB962C8B-B14F-4D97-AF65-F5344CB8AC3E}">
+        <p14:creationId xmlns:p14="http://schemas.microsoft.com/office/powerpoint/2010/main" val="238782713"/>
+      </p:ext>
+    </p:extLst>
+  </p:cSld>
+  <p:clrMapOvr>
+    <a:masterClrMapping/>
+  </p:clrMapOvr>
+</p:notes>
+</file>
+
+<file path=ppt/notesSlides/notesSlide6.xml><?xml version="1.0" encoding="utf-8"?>
+<p:notes xmlns:a="http://schemas.openxmlformats.org/drawingml/2006/main" xmlns:r="http://schemas.openxmlformats.org/officeDocument/2006/relationships" xmlns:p="http://schemas.openxmlformats.org/presentationml/2006/main">
+  <p:cSld>
+    <p:spTree>
+      <p:nvGrpSpPr>
+        <p:cNvPr id="1" name=""/>
+        <p:cNvGrpSpPr/>
+        <p:nvPr/>
+      </p:nvGrpSpPr>
+      <p:grpSpPr>
+        <a:xfrm>
+          <a:off x="0" y="0"/>
+          <a:ext cx="0" cy="0"/>
+          <a:chOff x="0" y="0"/>
+          <a:chExt cx="0" cy="0"/>
+        </a:xfrm>
+      </p:grpSpPr>
+      <p:sp>
+        <p:nvSpPr>
+          <p:cNvPr id="2" name="スライド イメージ プレースホルダー 1"/>
+          <p:cNvSpPr>
+            <a:spLocks noGrp="1" noRot="1" noChangeAspect="1"/>
+          </p:cNvSpPr>
+          <p:nvPr>
+            <p:ph type="sldImg"/>
+          </p:nvPr>
+        </p:nvSpPr>
+        <p:spPr/>
+      </p:sp>
+      <p:sp>
+        <p:nvSpPr>
+          <p:cNvPr id="3" name="ノート プレースホルダー 2"/>
+          <p:cNvSpPr>
+            <a:spLocks noGrp="1"/>
+          </p:cNvSpPr>
+          <p:nvPr>
+            <p:ph type="body" idx="1"/>
+          </p:nvPr>
+        </p:nvSpPr>
+        <p:spPr/>
+        <p:txBody>
+          <a:bodyPr/>
+          <a:lstStyle/>
+          <a:p>
+            <a:endParaRPr kumimoji="1" lang="ja-JP" altLang="en-US" dirty="0"/>
+          </a:p>
+        </p:txBody>
+      </p:sp>
+      <p:sp>
+        <p:nvSpPr>
+          <p:cNvPr id="4" name="スライド番号プレースホルダー 3"/>
+          <p:cNvSpPr>
+            <a:spLocks noGrp="1"/>
+          </p:cNvSpPr>
+          <p:nvPr>
+            <p:ph type="sldNum" sz="quarter" idx="10"/>
+          </p:nvPr>
+        </p:nvSpPr>
+        <p:spPr/>
+        <p:txBody>
+          <a:bodyPr/>
+          <a:lstStyle/>
+          <a:p>
+            <a:fld id="{0EFBDEC2-BD9C-084B-A858-F7A39CFBF774}" type="slidenum">
+              <a:rPr kumimoji="1" lang="ja-JP" altLang="en-US" smtClean="0"/>
+              <a:t>14</a:t>
+            </a:fld>
+            <a:endParaRPr kumimoji="1" lang="ja-JP" altLang="en-US"/>
+          </a:p>
+        </p:txBody>
+      </p:sp>
+    </p:spTree>
+    <p:extLst>
+      <p:ext uri="{BB962C8B-B14F-4D97-AF65-F5344CB8AC3E}">
+        <p14:creationId xmlns:p14="http://schemas.microsoft.com/office/powerpoint/2010/main" val="1630206473"/>
+      </p:ext>
+    </p:extLst>
+  </p:cSld>
+  <p:clrMapOvr>
+    <a:masterClrMapping/>
+  </p:clrMapOvr>
+</p:notes>
+</file>
+
+<file path=ppt/notesSlides/notesSlide7.xml><?xml version="1.0" encoding="utf-8"?>
+<p:notes xmlns:a="http://schemas.openxmlformats.org/drawingml/2006/main" xmlns:r="http://schemas.openxmlformats.org/officeDocument/2006/relationships" xmlns:p="http://schemas.openxmlformats.org/presentationml/2006/main">
+  <p:cSld>
+    <p:spTree>
+      <p:nvGrpSpPr>
+        <p:cNvPr id="1" name=""/>
+        <p:cNvGrpSpPr/>
+        <p:nvPr/>
+      </p:nvGrpSpPr>
+      <p:grpSpPr>
+        <a:xfrm>
+          <a:off x="0" y="0"/>
+          <a:ext cx="0" cy="0"/>
+          <a:chOff x="0" y="0"/>
+          <a:chExt cx="0" cy="0"/>
+        </a:xfrm>
+      </p:grpSpPr>
+      <p:sp>
+        <p:nvSpPr>
+          <p:cNvPr id="2" name="スライド イメージ プレースホルダー 1"/>
+          <p:cNvSpPr>
+            <a:spLocks noGrp="1" noRot="1" noChangeAspect="1"/>
+          </p:cNvSpPr>
+          <p:nvPr>
+            <p:ph type="sldImg"/>
+          </p:nvPr>
+        </p:nvSpPr>
+        <p:spPr/>
+      </p:sp>
+      <p:sp>
+        <p:nvSpPr>
+          <p:cNvPr id="3" name="ノート プレースホルダー 2"/>
+          <p:cNvSpPr>
+            <a:spLocks noGrp="1"/>
+          </p:cNvSpPr>
+          <p:nvPr>
+            <p:ph type="body" idx="1"/>
+          </p:nvPr>
+        </p:nvSpPr>
+        <p:spPr/>
+        <p:txBody>
+          <a:bodyPr/>
+          <a:lstStyle/>
+          <a:p>
+            <a:r>
+              <a:rPr kumimoji="1" lang="en-US" altLang="ja-JP" dirty="0" smtClean="0"/>
+              <a:t>duration</a:t>
+            </a:r>
+            <a:r>
+              <a:rPr kumimoji="1" lang="ja-JP" altLang="en-US" dirty="0" smtClean="0"/>
+              <a:t>の部分には文字数</a:t>
+            </a:r>
+            <a:r>
+              <a:rPr kumimoji="1" lang="en-US" altLang="ja-JP" dirty="0" smtClean="0"/>
+              <a:t>*</a:t>
+            </a:r>
+            <a:r>
+              <a:rPr kumimoji="1" lang="ja-JP" altLang="en-US" dirty="0" smtClean="0"/>
+              <a:t>一文字表示するのにかかる時間にしている。</a:t>
+            </a:r>
+            <a:endParaRPr kumimoji="1" lang="ja-JP" altLang="en-US" dirty="0"/>
+          </a:p>
+        </p:txBody>
+      </p:sp>
+      <p:sp>
+        <p:nvSpPr>
+          <p:cNvPr id="4" name="スライド番号プレースホルダー 3"/>
+          <p:cNvSpPr>
+            <a:spLocks noGrp="1"/>
+          </p:cNvSpPr>
+          <p:nvPr>
+            <p:ph type="sldNum" sz="quarter" idx="10"/>
+          </p:nvPr>
+        </p:nvSpPr>
+        <p:spPr/>
+        <p:txBody>
+          <a:bodyPr/>
+          <a:lstStyle/>
+          <a:p>
+            <a:fld id="{0EFBDEC2-BD9C-084B-A858-F7A39CFBF774}" type="slidenum">
+              <a:rPr kumimoji="1" lang="ja-JP" altLang="en-US" smtClean="0"/>
+              <a:t>15</a:t>
+            </a:fld>
+            <a:endParaRPr kumimoji="1" lang="ja-JP" altLang="en-US"/>
+          </a:p>
+        </p:txBody>
+      </p:sp>
+    </p:spTree>
+    <p:extLst>
+      <p:ext uri="{BB962C8B-B14F-4D97-AF65-F5344CB8AC3E}">
+        <p14:creationId xmlns:p14="http://schemas.microsoft.com/office/powerpoint/2010/main" val="922946331"/>
       </p:ext>
     </p:extLst>
   </p:cSld>
@@ -1104,7 +1350,7 @@
             <a:fld id="{87DE6118-2437-4B30-8E3C-4D2BE6020583}" type="datetimeFigureOut">
               <a:rPr lang="en-US" dirty="0"/>
               <a:pPr/>
-              <a:t>9/12/16</a:t>
+              <a:t>9/13/16</a:t>
             </a:fld>
             <a:endParaRPr lang="en-US" dirty="0"/>
           </a:p>
@@ -1462,7 +1708,7 @@
           <a:p>
             <a:fld id="{87DE6118-2437-4B30-8E3C-4D2BE6020583}" type="datetimeFigureOut">
               <a:rPr lang="en-US" dirty="0"/>
-              <a:t>9/12/16</a:t>
+              <a:t>9/13/16</a:t>
             </a:fld>
             <a:endParaRPr lang="en-US" dirty="0"/>
           </a:p>
@@ -1669,7 +1915,7 @@
           <a:p>
             <a:fld id="{87DE6118-2437-4B30-8E3C-4D2BE6020583}" type="datetimeFigureOut">
               <a:rPr lang="en-US" dirty="0"/>
-              <a:t>9/12/16</a:t>
+              <a:t>9/13/16</a:t>
             </a:fld>
             <a:endParaRPr lang="en-US" dirty="0"/>
           </a:p>
@@ -1866,7 +2112,7 @@
           <a:p>
             <a:fld id="{87DE6118-2437-4B30-8E3C-4D2BE6020583}" type="datetimeFigureOut">
               <a:rPr lang="en-US" dirty="0"/>
-              <a:t>9/12/16</a:t>
+              <a:t>9/13/16</a:t>
             </a:fld>
             <a:endParaRPr lang="en-US" dirty="0"/>
           </a:p>
@@ -2139,7 +2385,7 @@
             <a:fld id="{87DE6118-2437-4B30-8E3C-4D2BE6020583}" type="datetimeFigureOut">
               <a:rPr lang="en-US" dirty="0"/>
               <a:pPr/>
-              <a:t>9/12/16</a:t>
+              <a:t>9/13/16</a:t>
             </a:fld>
             <a:endParaRPr lang="en-US" dirty="0"/>
           </a:p>
@@ -2593,7 +2839,7 @@
           <a:p>
             <a:fld id="{87DE6118-2437-4B30-8E3C-4D2BE6020583}" type="datetimeFigureOut">
               <a:rPr lang="en-US" dirty="0"/>
-              <a:t>9/12/16</a:t>
+              <a:t>9/13/16</a:t>
             </a:fld>
             <a:endParaRPr lang="en-US" dirty="0"/>
           </a:p>
@@ -3129,7 +3375,7 @@
           <a:p>
             <a:fld id="{87DE6118-2437-4B30-8E3C-4D2BE6020583}" type="datetimeFigureOut">
               <a:rPr lang="en-US" dirty="0"/>
-              <a:t>9/12/16</a:t>
+              <a:t>9/13/16</a:t>
             </a:fld>
             <a:endParaRPr lang="en-US" dirty="0"/>
           </a:p>
@@ -3242,7 +3488,7 @@
           <a:p>
             <a:fld id="{87DE6118-2437-4B30-8E3C-4D2BE6020583}" type="datetimeFigureOut">
               <a:rPr lang="en-US" dirty="0"/>
-              <a:t>9/12/16</a:t>
+              <a:t>9/13/16</a:t>
             </a:fld>
             <a:endParaRPr lang="en-US" dirty="0"/>
           </a:p>
@@ -3332,7 +3578,7 @@
           <a:p>
             <a:fld id="{87DE6118-2437-4B30-8E3C-4D2BE6020583}" type="datetimeFigureOut">
               <a:rPr lang="en-US" dirty="0"/>
-              <a:t>9/12/16</a:t>
+              <a:t>9/13/16</a:t>
             </a:fld>
             <a:endParaRPr lang="en-US" dirty="0"/>
           </a:p>
@@ -3706,7 +3952,7 @@
             <a:fld id="{87DE6118-2437-4B30-8E3C-4D2BE6020583}" type="datetimeFigureOut">
               <a:rPr lang="en-US" dirty="0"/>
               <a:pPr/>
-              <a:t>9/12/16</a:t>
+              <a:t>9/13/16</a:t>
             </a:fld>
             <a:endParaRPr lang="en-US" dirty="0"/>
           </a:p>
@@ -4091,7 +4337,7 @@
             <a:fld id="{87DE6118-2437-4B30-8E3C-4D2BE6020583}" type="datetimeFigureOut">
               <a:rPr lang="en-US" dirty="0"/>
               <a:pPr/>
-              <a:t>9/12/16</a:t>
+              <a:t>9/13/16</a:t>
             </a:fld>
             <a:endParaRPr lang="en-US" dirty="0"/>
           </a:p>
@@ -4398,7 +4644,7 @@
             <a:fld id="{87DE6118-2437-4B30-8E3C-4D2BE6020583}" type="datetimeFigureOut">
               <a:rPr lang="en-US" dirty="0"/>
               <a:pPr/>
-              <a:t>9/12/16</a:t>
+              <a:t>9/13/16</a:t>
             </a:fld>
             <a:endParaRPr lang="en-US" dirty="0"/>
           </a:p>
@@ -4972,6 +5218,18 @@
   <p:clrMapOvr>
     <a:masterClrMapping/>
   </p:clrMapOvr>
+  <mc:AlternateContent xmlns:mc="http://schemas.openxmlformats.org/markup-compatibility/2006">
+    <mc:Choice xmlns:p15="http://schemas.microsoft.com/office/powerpoint/2012/main" Requires="p15">
+      <p:transition xmlns:p14="http://schemas.microsoft.com/office/powerpoint/2010/main" spd="slow" p14:dur="1250">
+        <p15:prstTrans prst="pageCurlDouble"/>
+      </p:transition>
+    </mc:Choice>
+    <mc:Fallback>
+      <p:transition spd="slow">
+        <p:fade/>
+      </p:transition>
+    </mc:Fallback>
+  </mc:AlternateContent>
   <p:timing>
     <p:tnLst>
       <p:par>
@@ -5138,6 +5396,18 @@
   <p:clrMapOvr>
     <a:masterClrMapping/>
   </p:clrMapOvr>
+  <mc:AlternateContent xmlns:mc="http://schemas.openxmlformats.org/markup-compatibility/2006">
+    <mc:Choice xmlns:p15="http://schemas.microsoft.com/office/powerpoint/2012/main" Requires="p15">
+      <p:transition xmlns:p14="http://schemas.microsoft.com/office/powerpoint/2010/main" spd="slow" p14:dur="1250">
+        <p15:prstTrans prst="pageCurlDouble"/>
+      </p:transition>
+    </mc:Choice>
+    <mc:Fallback>
+      <p:transition spd="slow">
+        <p:fade/>
+      </p:transition>
+    </mc:Fallback>
+  </mc:AlternateContent>
   <p:timing>
     <p:tnLst>
       <p:par>
@@ -5361,6 +5631,18 @@
   <p:clrMapOvr>
     <a:masterClrMapping/>
   </p:clrMapOvr>
+  <mc:AlternateContent xmlns:mc="http://schemas.openxmlformats.org/markup-compatibility/2006">
+    <mc:Choice xmlns:p15="http://schemas.microsoft.com/office/powerpoint/2012/main" Requires="p15">
+      <p:transition xmlns:p14="http://schemas.microsoft.com/office/powerpoint/2010/main" spd="slow" p14:dur="1250">
+        <p15:prstTrans prst="pageCurlDouble"/>
+      </p:transition>
+    </mc:Choice>
+    <mc:Fallback>
+      <p:transition spd="slow">
+        <p:fade/>
+      </p:transition>
+    </mc:Fallback>
+  </mc:AlternateContent>
   <p:timing>
     <p:tnLst>
       <p:par>
@@ -5584,6 +5866,18 @@
   <p:clrMapOvr>
     <a:masterClrMapping/>
   </p:clrMapOvr>
+  <mc:AlternateContent xmlns:mc="http://schemas.openxmlformats.org/markup-compatibility/2006">
+    <mc:Choice xmlns:p15="http://schemas.microsoft.com/office/powerpoint/2012/main" Requires="p15">
+      <p:transition xmlns:p14="http://schemas.microsoft.com/office/powerpoint/2010/main" spd="slow" p14:dur="1250">
+        <p15:prstTrans prst="pageCurlDouble"/>
+      </p:transition>
+    </mc:Choice>
+    <mc:Fallback>
+      <p:transition spd="slow">
+        <p:fade/>
+      </p:transition>
+    </mc:Fallback>
+  </mc:AlternateContent>
   <p:timing>
     <p:tnLst>
       <p:par>
@@ -5694,12 +5988,21 @@
             <p:ph type="title"/>
           </p:nvPr>
         </p:nvSpPr>
-        <p:spPr/>
+        <p:spPr>
+          <a:xfrm>
+            <a:off x="1371600" y="685800"/>
+            <a:ext cx="9601200" cy="824023"/>
+          </a:xfrm>
+        </p:spPr>
         <p:txBody>
           <a:bodyPr/>
           <a:lstStyle/>
           <a:p>
-            <a:endParaRPr kumimoji="1" lang="ja-JP" altLang="en-US"/>
+            <a:r>
+              <a:rPr kumimoji="1" lang="ja-JP" altLang="en-US" dirty="0" smtClean="0"/>
+              <a:t>ということで、何ができるか？</a:t>
+            </a:r>
+            <a:endParaRPr kumimoji="1" lang="ja-JP" altLang="en-US" dirty="0"/>
           </a:p>
         </p:txBody>
       </p:sp>
@@ -5713,15 +6016,320 @@
             <p:ph idx="1"/>
           </p:nvPr>
         </p:nvSpPr>
-        <p:spPr/>
+        <p:spPr>
+          <a:xfrm>
+            <a:off x="1371599" y="1871329"/>
+            <a:ext cx="9920177" cy="4348717"/>
+          </a:xfrm>
+        </p:spPr>
         <p:txBody>
           <a:bodyPr/>
           <a:lstStyle/>
           <a:p>
-            <a:endParaRPr kumimoji="1" lang="ja-JP" altLang="en-US"/>
-          </a:p>
-        </p:txBody>
-      </p:sp>
+            <a:pPr>
+              <a:lnSpc>
+                <a:spcPct val="150000"/>
+              </a:lnSpc>
+            </a:pPr>
+            <a:r>
+              <a:rPr lang="en-US" altLang="ja-JP" dirty="0" err="1" smtClean="0"/>
+              <a:t>DOMaxVisibleCharacters</a:t>
+            </a:r>
+            <a:r>
+              <a:rPr lang="en-US" altLang="ja-JP" dirty="0" smtClean="0"/>
+              <a:t>( </a:t>
+            </a:r>
+            <a:r>
+              <a:rPr lang="en-US" altLang="ja-JP" dirty="0" err="1" smtClean="0"/>
+              <a:t>int</a:t>
+            </a:r>
+            <a:r>
+              <a:rPr lang="en-US" altLang="ja-JP" dirty="0" smtClean="0"/>
+              <a:t> </a:t>
+            </a:r>
+            <a:r>
+              <a:rPr lang="en-US" altLang="ja-JP" dirty="0" smtClean="0"/>
+              <a:t>to , float duration)</a:t>
+            </a:r>
+            <a:br>
+              <a:rPr lang="en-US" altLang="ja-JP" dirty="0" smtClean="0"/>
+            </a:br>
+            <a:r>
+              <a:rPr lang="ja-JP" altLang="en-US" dirty="0" smtClean="0"/>
+              <a:t>指定の</a:t>
+            </a:r>
+            <a:r>
+              <a:rPr lang="ja-JP" altLang="en-US" dirty="0" smtClean="0"/>
+              <a:t>文字数へ</a:t>
+            </a:r>
+            <a:r>
+              <a:rPr lang="en-US" altLang="ja-JP" dirty="0" smtClean="0"/>
+              <a:t>duration</a:t>
+            </a:r>
+            <a:r>
+              <a:rPr lang="ja-JP" altLang="en-US" dirty="0" smtClean="0"/>
+              <a:t>秒かけて変化させる</a:t>
+            </a:r>
+            <a:endParaRPr kumimoji="1" lang="ja-JP" altLang="en-US" dirty="0"/>
+          </a:p>
+        </p:txBody>
+      </p:sp>
+      <p:pic>
+        <p:nvPicPr>
+          <p:cNvPr id="5" name="DOMaxVisibleCharacters">
+            <a:hlinkClick r:id="" action="ppaction://media"/>
+          </p:cNvPr>
+          <p:cNvPicPr>
+            <a:picLocks noChangeAspect="1"/>
+          </p:cNvPicPr>
+          <p:nvPr>
+            <a:videoFile r:link="rId2"/>
+            <p:extLst>
+              <p:ext uri="{DAA4B4D4-6D71-4841-9C94-3DE7FCFB9230}">
+                <p14:media xmlns:p14="http://schemas.microsoft.com/office/powerpoint/2010/main" r:embed="rId1"/>
+              </p:ext>
+            </p:extLst>
+          </p:nvPr>
+        </p:nvPicPr>
+        <p:blipFill>
+          <a:blip r:embed="rId5"/>
+          <a:stretch>
+            <a:fillRect/>
+          </a:stretch>
+        </p:blipFill>
+        <p:spPr>
+          <a:xfrm>
+            <a:off x="2953766" y="2981552"/>
+            <a:ext cx="6436867" cy="3600000"/>
+          </a:xfrm>
+          <a:prstGeom prst="rect">
+            <a:avLst/>
+          </a:prstGeom>
+        </p:spPr>
+      </p:pic>
+    </p:spTree>
+    <p:extLst>
+      <p:ext uri="{BB962C8B-B14F-4D97-AF65-F5344CB8AC3E}">
+        <p14:creationId xmlns:p14="http://schemas.microsoft.com/office/powerpoint/2010/main" val="1623244543"/>
+      </p:ext>
+    </p:extLst>
+  </p:cSld>
+  <p:clrMapOvr>
+    <a:masterClrMapping/>
+  </p:clrMapOvr>
+  <mc:AlternateContent xmlns:mc="http://schemas.openxmlformats.org/markup-compatibility/2006">
+    <mc:Choice xmlns:p15="http://schemas.microsoft.com/office/powerpoint/2012/main" Requires="p15">
+      <p:transition xmlns:p14="http://schemas.microsoft.com/office/powerpoint/2010/main" spd="slow" p14:dur="1250">
+        <p15:prstTrans prst="pageCurlDouble"/>
+      </p:transition>
+    </mc:Choice>
+    <mc:Fallback>
+      <p:transition spd="slow">
+        <p:fade/>
+      </p:transition>
+    </mc:Fallback>
+  </mc:AlternateContent>
+  <p:timing>
+    <p:tnLst>
+      <p:par>
+        <p:cTn id="1" dur="indefinite" restart="never" nodeType="tmRoot">
+          <p:childTnLst>
+            <p:seq concurrent="1" nextAc="seek">
+              <p:cTn id="2" restart="whenNotActive" fill="hold" evtFilter="cancelBubble" nodeType="interactiveSeq">
+                <p:stCondLst>
+                  <p:cond evt="onClick" delay="0">
+                    <p:tgtEl>
+                      <p:spTgt spid="5"/>
+                    </p:tgtEl>
+                  </p:cond>
+                </p:stCondLst>
+                <p:endSync evt="end" delay="0">
+                  <p:rtn val="all"/>
+                </p:endSync>
+                <p:childTnLst>
+                  <p:par>
+                    <p:cTn id="3" fill="hold">
+                      <p:stCondLst>
+                        <p:cond delay="0"/>
+                      </p:stCondLst>
+                      <p:childTnLst>
+                        <p:par>
+                          <p:cTn id="4" fill="hold">
+                            <p:stCondLst>
+                              <p:cond delay="0"/>
+                            </p:stCondLst>
+                            <p:childTnLst>
+                              <p:par>
+                                <p:cTn id="5" presetID="2" presetClass="mediacall" presetSubtype="0" fill="hold" nodeType="clickEffect">
+                                  <p:stCondLst>
+                                    <p:cond delay="0"/>
+                                  </p:stCondLst>
+                                  <p:childTnLst>
+                                    <p:cmd type="call" cmd="togglePause">
+                                      <p:cBhvr>
+                                        <p:cTn id="6" dur="1" fill="hold"/>
+                                        <p:tgtEl>
+                                          <p:spTgt spid="5"/>
+                                        </p:tgtEl>
+                                      </p:cBhvr>
+                                    </p:cmd>
+                                  </p:childTnLst>
+                                </p:cTn>
+                              </p:par>
+                            </p:childTnLst>
+                          </p:cTn>
+                        </p:par>
+                      </p:childTnLst>
+                    </p:cTn>
+                  </p:par>
+                </p:childTnLst>
+              </p:cTn>
+              <p:nextCondLst>
+                <p:cond evt="onClick" delay="0">
+                  <p:tgtEl>
+                    <p:spTgt spid="5"/>
+                  </p:tgtEl>
+                </p:cond>
+              </p:nextCondLst>
+            </p:seq>
+            <p:video>
+              <p:cMediaNode vol="80000">
+                <p:cTn id="7" fill="hold" display="0">
+                  <p:stCondLst>
+                    <p:cond delay="indefinite"/>
+                  </p:stCondLst>
+                </p:cTn>
+                <p:tgtEl>
+                  <p:spTgt spid="5"/>
+                </p:tgtEl>
+              </p:cMediaNode>
+            </p:video>
+          </p:childTnLst>
+        </p:cTn>
+      </p:par>
+    </p:tnLst>
+  </p:timing>
+</p:sld>
+</file>
+
+<file path=ppt/slides/slide14.xml><?xml version="1.0" encoding="utf-8"?>
+<p:sld xmlns:a="http://schemas.openxmlformats.org/drawingml/2006/main" xmlns:r="http://schemas.openxmlformats.org/officeDocument/2006/relationships" xmlns:p="http://schemas.openxmlformats.org/presentationml/2006/main">
+  <p:cSld>
+    <p:spTree>
+      <p:nvGrpSpPr>
+        <p:cNvPr id="1" name=""/>
+        <p:cNvGrpSpPr/>
+        <p:nvPr/>
+      </p:nvGrpSpPr>
+      <p:grpSpPr>
+        <a:xfrm>
+          <a:off x="0" y="0"/>
+          <a:ext cx="0" cy="0"/>
+          <a:chOff x="0" y="0"/>
+          <a:chExt cx="0" cy="0"/>
+        </a:xfrm>
+      </p:grpSpPr>
+      <p:sp>
+        <p:nvSpPr>
+          <p:cNvPr id="2" name="タイトル 1"/>
+          <p:cNvSpPr>
+            <a:spLocks noGrp="1"/>
+          </p:cNvSpPr>
+          <p:nvPr>
+            <p:ph type="title"/>
+          </p:nvPr>
+        </p:nvSpPr>
+        <p:spPr>
+          <a:xfrm>
+            <a:off x="1371600" y="685800"/>
+            <a:ext cx="9601200" cy="813391"/>
+          </a:xfrm>
+        </p:spPr>
+        <p:txBody>
+          <a:bodyPr/>
+          <a:lstStyle/>
+          <a:p>
+            <a:r>
+              <a:rPr kumimoji="1" lang="en-US" altLang="ja-JP" dirty="0" err="1" smtClean="0"/>
+              <a:t>DOText</a:t>
+            </a:r>
+            <a:r>
+              <a:rPr lang="en-US" altLang="ja-JP" dirty="0"/>
+              <a:t> </a:t>
+            </a:r>
+            <a:r>
+              <a:rPr lang="en-US" altLang="ja-JP" dirty="0" smtClean="0"/>
+              <a:t>, </a:t>
+            </a:r>
+            <a:r>
+              <a:rPr kumimoji="1" lang="en-US" altLang="ja-JP" dirty="0" err="1" smtClean="0"/>
+              <a:t>DOMaxVisibleCharacters</a:t>
+            </a:r>
+            <a:endParaRPr kumimoji="1" lang="ja-JP" altLang="en-US" dirty="0"/>
+          </a:p>
+        </p:txBody>
+      </p:sp>
+      <p:sp>
+        <p:nvSpPr>
+          <p:cNvPr id="3" name="コンテンツ プレースホルダー 2"/>
+          <p:cNvSpPr>
+            <a:spLocks noGrp="1"/>
+          </p:cNvSpPr>
+          <p:nvPr>
+            <p:ph idx="1"/>
+          </p:nvPr>
+        </p:nvSpPr>
+        <p:spPr>
+          <a:xfrm>
+            <a:off x="1212111" y="1648047"/>
+            <a:ext cx="10388009" cy="4965404"/>
+          </a:xfrm>
+        </p:spPr>
+        <p:txBody>
+          <a:bodyPr/>
+          <a:lstStyle/>
+          <a:p>
+            <a:r>
+              <a:rPr lang="ja-JP" altLang="en-US" dirty="0" smtClean="0"/>
+              <a:t>基本的に、文字を表示した時に位置が変わるかどうか？</a:t>
+            </a:r>
+            <a:endParaRPr kumimoji="1" lang="ja-JP" altLang="en-US" dirty="0"/>
+          </a:p>
+        </p:txBody>
+      </p:sp>
+      <p:pic>
+        <p:nvPicPr>
+          <p:cNvPr id="4" name="DOTDOM">
+            <a:hlinkClick r:id="" action="ppaction://media"/>
+          </p:cNvPr>
+          <p:cNvPicPr>
+            <a:picLocks noChangeAspect="1"/>
+          </p:cNvPicPr>
+          <p:nvPr>
+            <a:videoFile r:link="rId2"/>
+            <p:extLst>
+              <p:ext uri="{DAA4B4D4-6D71-4841-9C94-3DE7FCFB9230}">
+                <p14:media xmlns:p14="http://schemas.microsoft.com/office/powerpoint/2010/main" r:embed="rId1"/>
+              </p:ext>
+            </p:extLst>
+          </p:nvPr>
+        </p:nvPicPr>
+        <p:blipFill>
+          <a:blip r:embed="rId5"/>
+          <a:stretch>
+            <a:fillRect/>
+          </a:stretch>
+        </p:blipFill>
+        <p:spPr>
+          <a:xfrm>
+            <a:off x="2955850" y="2987746"/>
+            <a:ext cx="6436800" cy="3609266"/>
+          </a:xfrm>
+          <a:prstGeom prst="rect">
+            <a:avLst/>
+          </a:prstGeom>
+        </p:spPr>
+      </p:pic>
     </p:spTree>
     <p:extLst>
       <p:ext uri="{BB962C8B-B14F-4D97-AF65-F5344CB8AC3E}">
@@ -5732,6 +6340,264 @@
   <p:clrMapOvr>
     <a:masterClrMapping/>
   </p:clrMapOvr>
+  <mc:AlternateContent xmlns:mc="http://schemas.openxmlformats.org/markup-compatibility/2006">
+    <mc:Choice xmlns:p15="http://schemas.microsoft.com/office/powerpoint/2012/main" Requires="p15">
+      <p:transition xmlns:p14="http://schemas.microsoft.com/office/powerpoint/2010/main" spd="slow" p14:dur="1250">
+        <p15:prstTrans prst="pageCurlDouble"/>
+      </p:transition>
+    </mc:Choice>
+    <mc:Fallback>
+      <p:transition spd="slow">
+        <p:fade/>
+      </p:transition>
+    </mc:Fallback>
+  </mc:AlternateContent>
+  <p:timing>
+    <p:tnLst>
+      <p:par>
+        <p:cTn id="1" dur="indefinite" restart="never" nodeType="tmRoot">
+          <p:childTnLst>
+            <p:seq concurrent="1" nextAc="seek">
+              <p:cTn id="2" restart="whenNotActive" fill="hold" evtFilter="cancelBubble" nodeType="interactiveSeq">
+                <p:stCondLst>
+                  <p:cond evt="onClick" delay="0">
+                    <p:tgtEl>
+                      <p:spTgt spid="4"/>
+                    </p:tgtEl>
+                  </p:cond>
+                </p:stCondLst>
+                <p:endSync evt="end" delay="0">
+                  <p:rtn val="all"/>
+                </p:endSync>
+                <p:childTnLst>
+                  <p:par>
+                    <p:cTn id="3" fill="hold">
+                      <p:stCondLst>
+                        <p:cond delay="0"/>
+                      </p:stCondLst>
+                      <p:childTnLst>
+                        <p:par>
+                          <p:cTn id="4" fill="hold">
+                            <p:stCondLst>
+                              <p:cond delay="0"/>
+                            </p:stCondLst>
+                            <p:childTnLst>
+                              <p:par>
+                                <p:cTn id="5" presetID="2" presetClass="mediacall" presetSubtype="0" fill="hold" nodeType="clickEffect">
+                                  <p:stCondLst>
+                                    <p:cond delay="0"/>
+                                  </p:stCondLst>
+                                  <p:childTnLst>
+                                    <p:cmd type="call" cmd="togglePause">
+                                      <p:cBhvr>
+                                        <p:cTn id="6" dur="1" fill="hold"/>
+                                        <p:tgtEl>
+                                          <p:spTgt spid="4"/>
+                                        </p:tgtEl>
+                                      </p:cBhvr>
+                                    </p:cmd>
+                                  </p:childTnLst>
+                                </p:cTn>
+                              </p:par>
+                            </p:childTnLst>
+                          </p:cTn>
+                        </p:par>
+                      </p:childTnLst>
+                    </p:cTn>
+                  </p:par>
+                </p:childTnLst>
+              </p:cTn>
+              <p:nextCondLst>
+                <p:cond evt="onClick" delay="0">
+                  <p:tgtEl>
+                    <p:spTgt spid="4"/>
+                  </p:tgtEl>
+                </p:cond>
+              </p:nextCondLst>
+            </p:seq>
+            <p:video>
+              <p:cMediaNode vol="80000">
+                <p:cTn id="7" fill="hold" display="0">
+                  <p:stCondLst>
+                    <p:cond delay="indefinite"/>
+                  </p:stCondLst>
+                </p:cTn>
+                <p:tgtEl>
+                  <p:spTgt spid="4"/>
+                </p:tgtEl>
+              </p:cMediaNode>
+            </p:video>
+          </p:childTnLst>
+        </p:cTn>
+      </p:par>
+    </p:tnLst>
+  </p:timing>
+</p:sld>
+</file>
+
+<file path=ppt/slides/slide15.xml><?xml version="1.0" encoding="utf-8"?>
+<p:sld xmlns:a="http://schemas.openxmlformats.org/drawingml/2006/main" xmlns:r="http://schemas.openxmlformats.org/officeDocument/2006/relationships" xmlns:p="http://schemas.openxmlformats.org/presentationml/2006/main">
+  <p:cSld>
+    <p:spTree>
+      <p:nvGrpSpPr>
+        <p:cNvPr id="1" name=""/>
+        <p:cNvGrpSpPr/>
+        <p:nvPr/>
+      </p:nvGrpSpPr>
+      <p:grpSpPr>
+        <a:xfrm>
+          <a:off x="0" y="0"/>
+          <a:ext cx="0" cy="0"/>
+          <a:chOff x="0" y="0"/>
+          <a:chExt cx="0" cy="0"/>
+        </a:xfrm>
+      </p:grpSpPr>
+      <p:sp>
+        <p:nvSpPr>
+          <p:cNvPr id="2" name="タイトル 1"/>
+          <p:cNvSpPr>
+            <a:spLocks noGrp="1"/>
+          </p:cNvSpPr>
+          <p:nvPr>
+            <p:ph type="title"/>
+          </p:nvPr>
+        </p:nvSpPr>
+        <p:spPr/>
+        <p:txBody>
+          <a:bodyPr/>
+          <a:lstStyle/>
+          <a:p>
+            <a:r>
+              <a:rPr lang="en-US" altLang="ja-JP" dirty="0" err="1"/>
+              <a:t>DOText</a:t>
+            </a:r>
+            <a:r>
+              <a:rPr lang="en-US" altLang="ja-JP" dirty="0"/>
+              <a:t> , </a:t>
+            </a:r>
+            <a:r>
+              <a:rPr lang="en-US" altLang="ja-JP" dirty="0" err="1"/>
+              <a:t>DOMaxVisibleCharacters</a:t>
+            </a:r>
+            <a:endParaRPr kumimoji="1" lang="ja-JP" altLang="en-US" dirty="0"/>
+          </a:p>
+        </p:txBody>
+      </p:sp>
+      <p:sp>
+        <p:nvSpPr>
+          <p:cNvPr id="3" name="コンテンツ プレースホルダー 2"/>
+          <p:cNvSpPr>
+            <a:spLocks noGrp="1"/>
+          </p:cNvSpPr>
+          <p:nvPr>
+            <p:ph idx="1"/>
+          </p:nvPr>
+        </p:nvSpPr>
+        <p:spPr>
+          <a:xfrm>
+            <a:off x="1095153" y="4263656"/>
+            <a:ext cx="10579396" cy="2220432"/>
+          </a:xfrm>
+        </p:spPr>
+        <p:txBody>
+          <a:bodyPr/>
+          <a:lstStyle/>
+          <a:p>
+            <a:pPr>
+              <a:lnSpc>
+                <a:spcPct val="150000"/>
+              </a:lnSpc>
+            </a:pPr>
+            <a:r>
+              <a:rPr kumimoji="1" lang="en-US" altLang="ja-JP" dirty="0" err="1" smtClean="0"/>
+              <a:t>DOText</a:t>
+            </a:r>
+            <a:r>
+              <a:rPr kumimoji="1" lang="ja-JP" altLang="en-US" dirty="0" smtClean="0"/>
+              <a:t>は文字を動的に変化させているのに比べて、</a:t>
+            </a:r>
+            <a:r>
+              <a:rPr kumimoji="1" lang="en-US" altLang="ja-JP" dirty="0" smtClean="0"/>
+              <a:t/>
+            </a:r>
+            <a:br>
+              <a:rPr kumimoji="1" lang="en-US" altLang="ja-JP" dirty="0" smtClean="0"/>
+            </a:br>
+            <a:r>
+              <a:rPr kumimoji="1" lang="en-US" altLang="ja-JP" dirty="0" err="1" smtClean="0"/>
+              <a:t>DOMaxVisibleCharacters</a:t>
+            </a:r>
+            <a:r>
+              <a:rPr kumimoji="1" lang="ja-JP" altLang="en-US" dirty="0" smtClean="0"/>
+              <a:t>は</a:t>
+            </a:r>
+            <a:r>
+              <a:rPr lang="ja-JP" altLang="en-US" dirty="0" smtClean="0"/>
+              <a:t>文字を一旦代入し、それを一文字ずつ表示していく感じ</a:t>
+            </a:r>
+            <a:endParaRPr kumimoji="1" lang="ja-JP" altLang="en-US" dirty="0"/>
+          </a:p>
+        </p:txBody>
+      </p:sp>
+      <p:pic>
+        <p:nvPicPr>
+          <p:cNvPr id="8" name="図 7"/>
+          <p:cNvPicPr>
+            <a:picLocks noChangeAspect="1"/>
+          </p:cNvPicPr>
+          <p:nvPr/>
+        </p:nvPicPr>
+        <p:blipFill>
+          <a:blip r:embed="rId3">
+            <a:extLst>
+              <a:ext uri="{28A0092B-C50C-407E-A947-70E740481C1C}">
+                <a14:useLocalDpi xmlns:a14="http://schemas.microsoft.com/office/drawing/2010/main" val="0"/>
+              </a:ext>
+            </a:extLst>
+          </a:blip>
+          <a:stretch>
+            <a:fillRect/>
+          </a:stretch>
+        </p:blipFill>
+        <p:spPr>
+          <a:xfrm>
+            <a:off x="969335" y="1521637"/>
+            <a:ext cx="10779642" cy="2404564"/>
+          </a:xfrm>
+          <a:prstGeom prst="rect">
+            <a:avLst/>
+          </a:prstGeom>
+        </p:spPr>
+      </p:pic>
+    </p:spTree>
+    <p:extLst>
+      <p:ext uri="{BB962C8B-B14F-4D97-AF65-F5344CB8AC3E}">
+        <p14:creationId xmlns:p14="http://schemas.microsoft.com/office/powerpoint/2010/main" val="778940015"/>
+      </p:ext>
+    </p:extLst>
+  </p:cSld>
+  <p:clrMapOvr>
+    <a:masterClrMapping/>
+  </p:clrMapOvr>
+  <mc:AlternateContent xmlns:mc="http://schemas.openxmlformats.org/markup-compatibility/2006">
+    <mc:Choice xmlns:p15="http://schemas.microsoft.com/office/powerpoint/2012/main" Requires="p15">
+      <p:transition xmlns:p14="http://schemas.microsoft.com/office/powerpoint/2010/main" spd="slow" p14:dur="1250">
+        <p15:prstTrans prst="pageCurlDouble"/>
+      </p:transition>
+    </mc:Choice>
+    <mc:Fallback>
+      <p:transition spd="slow">
+        <p:fade/>
+      </p:transition>
+    </mc:Fallback>
+  </mc:AlternateContent>
+  <p:timing>
+    <p:tnLst>
+      <p:par>
+        <p:cTn id="1" dur="indefinite" restart="never" nodeType="tmRoot"/>
+      </p:par>
+    </p:tnLst>
+  </p:timing>
 </p:sld>
 </file>
 
@@ -5876,6 +6742,18 @@
   <p:clrMapOvr>
     <a:masterClrMapping/>
   </p:clrMapOvr>
+  <mc:AlternateContent xmlns:mc="http://schemas.openxmlformats.org/markup-compatibility/2006">
+    <mc:Choice xmlns:p15="http://schemas.microsoft.com/office/powerpoint/2012/main" Requires="p15">
+      <p:transition xmlns:p14="http://schemas.microsoft.com/office/powerpoint/2010/main" spd="slow" p14:dur="1250">
+        <p15:prstTrans prst="pageCurlDouble"/>
+      </p:transition>
+    </mc:Choice>
+    <mc:Fallback>
+      <p:transition spd="slow">
+        <p:fade/>
+      </p:transition>
+    </mc:Fallback>
+  </mc:AlternateContent>
   <p:timing>
     <p:tnLst>
       <p:par>
@@ -6115,6 +6993,25 @@
   <p:clrMapOvr>
     <a:masterClrMapping/>
   </p:clrMapOvr>
+  <mc:AlternateContent xmlns:mc="http://schemas.openxmlformats.org/markup-compatibility/2006">
+    <mc:Choice xmlns:p15="http://schemas.microsoft.com/office/powerpoint/2012/main" Requires="p15">
+      <p:transition xmlns:p14="http://schemas.microsoft.com/office/powerpoint/2010/main" spd="slow" p14:dur="1250">
+        <p15:prstTrans prst="pageCurlDouble"/>
+      </p:transition>
+    </mc:Choice>
+    <mc:Fallback>
+      <p:transition spd="slow">
+        <p:fade/>
+      </p:transition>
+    </mc:Fallback>
+  </mc:AlternateContent>
+  <p:timing>
+    <p:tnLst>
+      <p:par>
+        <p:cTn id="1" dur="indefinite" restart="never" nodeType="tmRoot"/>
+      </p:par>
+    </p:tnLst>
+  </p:timing>
 </p:sld>
 </file>
 
@@ -6295,6 +7192,25 @@
   <p:clrMapOvr>
     <a:masterClrMapping/>
   </p:clrMapOvr>
+  <mc:AlternateContent xmlns:mc="http://schemas.openxmlformats.org/markup-compatibility/2006">
+    <mc:Choice xmlns:p15="http://schemas.microsoft.com/office/powerpoint/2012/main" Requires="p15">
+      <p:transition xmlns:p14="http://schemas.microsoft.com/office/powerpoint/2010/main" spd="slow" p14:dur="1250">
+        <p15:prstTrans prst="pageCurlDouble"/>
+      </p:transition>
+    </mc:Choice>
+    <mc:Fallback>
+      <p:transition spd="slow">
+        <p:fade/>
+      </p:transition>
+    </mc:Fallback>
+  </mc:AlternateContent>
+  <p:timing>
+    <p:tnLst>
+      <p:par>
+        <p:cTn id="1" dur="indefinite" restart="never" nodeType="tmRoot"/>
+      </p:par>
+    </p:tnLst>
+  </p:timing>
 </p:sld>
 </file>
 
@@ -6479,6 +7395,25 @@
   <p:clrMapOvr>
     <a:masterClrMapping/>
   </p:clrMapOvr>
+  <mc:AlternateContent xmlns:mc="http://schemas.openxmlformats.org/markup-compatibility/2006">
+    <mc:Choice xmlns:p15="http://schemas.microsoft.com/office/powerpoint/2012/main" Requires="p15">
+      <p:transition xmlns:p14="http://schemas.microsoft.com/office/powerpoint/2010/main" spd="slow" p14:dur="1250">
+        <p15:prstTrans prst="pageCurlDouble"/>
+      </p:transition>
+    </mc:Choice>
+    <mc:Fallback>
+      <p:transition spd="slow">
+        <p:fade/>
+      </p:transition>
+    </mc:Fallback>
+  </mc:AlternateContent>
+  <p:timing>
+    <p:tnLst>
+      <p:par>
+        <p:cTn id="1" dur="indefinite" restart="never" nodeType="tmRoot"/>
+      </p:par>
+    </p:tnLst>
+  </p:timing>
 </p:sld>
 </file>
 
@@ -6679,6 +7614,25 @@
   <p:clrMapOvr>
     <a:masterClrMapping/>
   </p:clrMapOvr>
+  <mc:AlternateContent xmlns:mc="http://schemas.openxmlformats.org/markup-compatibility/2006">
+    <mc:Choice xmlns:p15="http://schemas.microsoft.com/office/powerpoint/2012/main" Requires="p15">
+      <p:transition xmlns:p14="http://schemas.microsoft.com/office/powerpoint/2010/main" spd="slow" p14:dur="1250">
+        <p15:prstTrans prst="pageCurlDouble"/>
+      </p:transition>
+    </mc:Choice>
+    <mc:Fallback>
+      <p:transition spd="slow">
+        <p:fade/>
+      </p:transition>
+    </mc:Fallback>
+  </mc:AlternateContent>
+  <p:timing>
+    <p:tnLst>
+      <p:par>
+        <p:cTn id="1" dur="indefinite" restart="never" nodeType="tmRoot"/>
+      </p:par>
+    </p:tnLst>
+  </p:timing>
 </p:sld>
 </file>
 
@@ -6952,6 +7906,25 @@
   <p:clrMapOvr>
     <a:masterClrMapping/>
   </p:clrMapOvr>
+  <mc:AlternateContent xmlns:mc="http://schemas.openxmlformats.org/markup-compatibility/2006">
+    <mc:Choice xmlns:p15="http://schemas.microsoft.com/office/powerpoint/2012/main" Requires="p15">
+      <p:transition xmlns:p14="http://schemas.microsoft.com/office/powerpoint/2010/main" spd="slow" p14:dur="1250">
+        <p15:prstTrans prst="pageCurlDouble"/>
+      </p:transition>
+    </mc:Choice>
+    <mc:Fallback>
+      <p:transition spd="slow">
+        <p:fade/>
+      </p:transition>
+    </mc:Fallback>
+  </mc:AlternateContent>
+  <p:timing>
+    <p:tnLst>
+      <p:par>
+        <p:cTn id="1" dur="indefinite" restart="never" nodeType="tmRoot"/>
+      </p:par>
+    </p:tnLst>
+  </p:timing>
 </p:sld>
 </file>
 
@@ -7076,6 +8049,25 @@
   <p:clrMapOvr>
     <a:masterClrMapping/>
   </p:clrMapOvr>
+  <mc:AlternateContent xmlns:mc="http://schemas.openxmlformats.org/markup-compatibility/2006">
+    <mc:Choice xmlns:p15="http://schemas.microsoft.com/office/powerpoint/2012/main" Requires="p15">
+      <p:transition xmlns:p14="http://schemas.microsoft.com/office/powerpoint/2010/main" spd="slow" p14:dur="1250">
+        <p15:prstTrans prst="pageCurlDouble"/>
+      </p:transition>
+    </mc:Choice>
+    <mc:Fallback>
+      <p:transition spd="slow">
+        <p:fade/>
+      </p:transition>
+    </mc:Fallback>
+  </mc:AlternateContent>
+  <p:timing>
+    <p:tnLst>
+      <p:par>
+        <p:cTn id="1" dur="indefinite" restart="never" nodeType="tmRoot"/>
+      </p:par>
+    </p:tnLst>
+  </p:timing>
 </p:sld>
 </file>
 
@@ -7291,6 +8283,18 @@
   <p:clrMapOvr>
     <a:masterClrMapping/>
   </p:clrMapOvr>
+  <mc:AlternateContent xmlns:mc="http://schemas.openxmlformats.org/markup-compatibility/2006">
+    <mc:Choice xmlns:p15="http://schemas.microsoft.com/office/powerpoint/2012/main" Requires="p15">
+      <p:transition xmlns:p14="http://schemas.microsoft.com/office/powerpoint/2010/main" spd="slow" p14:dur="1250">
+        <p15:prstTrans prst="pageCurlDouble"/>
+      </p:transition>
+    </mc:Choice>
+    <mc:Fallback>
+      <p:transition spd="slow">
+        <p:fade/>
+      </p:transition>
+    </mc:Fallback>
+  </mc:AlternateContent>
   <p:timing>
     <p:tnLst>
       <p:par>
